--- a/ATourofSQLServer2016SecurityFeatures.pptx
+++ b/ATourofSQLServer2016SecurityFeatures.pptx
@@ -37,17 +37,17 @@
     <p:sldId id="269" r:id="rId28"/>
     <p:sldId id="270" r:id="rId29"/>
     <p:sldId id="286" r:id="rId30"/>
-    <p:sldId id="265" r:id="rId31"/>
-    <p:sldId id="297" r:id="rId32"/>
-    <p:sldId id="283" r:id="rId33"/>
-    <p:sldId id="267" r:id="rId34"/>
-    <p:sldId id="259" r:id="rId35"/>
-    <p:sldId id="272" r:id="rId36"/>
-    <p:sldId id="284" r:id="rId37"/>
-    <p:sldId id="266" r:id="rId38"/>
-    <p:sldId id="279" r:id="rId39"/>
-    <p:sldId id="273" r:id="rId40"/>
-    <p:sldId id="280" r:id="rId41"/>
+    <p:sldId id="266" r:id="rId31"/>
+    <p:sldId id="279" r:id="rId32"/>
+    <p:sldId id="273" r:id="rId33"/>
+    <p:sldId id="280" r:id="rId34"/>
+    <p:sldId id="265" r:id="rId35"/>
+    <p:sldId id="297" r:id="rId36"/>
+    <p:sldId id="283" r:id="rId37"/>
+    <p:sldId id="267" r:id="rId38"/>
+    <p:sldId id="259" r:id="rId39"/>
+    <p:sldId id="272" r:id="rId40"/>
+    <p:sldId id="284" r:id="rId41"/>
     <p:sldId id="260" r:id="rId42"/>
     <p:sldId id="261" r:id="rId43"/>
     <p:sldId id="277" r:id="rId44"/>
@@ -244,7 +244,7 @@
           <a:p>
             <a:fld id="{D4C1D33F-78D8-4750-A964-FE7F02492D2E}" type="datetimeFigureOut">
               <a:rPr lang="en-US" smtClean="0"/>
-              <a:t>10/13/2017</a:t>
+              <a:t>10/16/2017</a:t>
             </a:fld>
             <a:endParaRPr lang="en-US"/>
           </a:p>
@@ -795,7 +795,7 @@
           <a:p>
             <a:fld id="{482283A2-F39A-4F0A-A468-BFC2D3071D86}" type="slidenum">
               <a:rPr lang="en-US" smtClean="0"/>
-              <a:t>30</a:t>
+              <a:t>23</a:t>
             </a:fld>
             <a:endParaRPr lang="en-US"/>
           </a:p>
@@ -888,7 +888,7 @@
           <a:p>
             <a:fld id="{482283A2-F39A-4F0A-A468-BFC2D3071D86}" type="slidenum">
               <a:rPr lang="en-US" smtClean="0"/>
-              <a:t>31</a:t>
+              <a:t>24</a:t>
             </a:fld>
             <a:endParaRPr lang="en-US"/>
           </a:p>
@@ -981,7 +981,7 @@
           <a:p>
             <a:fld id="{482283A2-F39A-4F0A-A468-BFC2D3071D86}" type="slidenum">
               <a:rPr lang="en-US" smtClean="0"/>
-              <a:t>33</a:t>
+              <a:t>26</a:t>
             </a:fld>
             <a:endParaRPr lang="en-US"/>
           </a:p>
@@ -1916,7 +1916,7 @@
           <a:p>
             <a:fld id="{38B92EED-EC5D-481D-8393-A7289D5F8955}" type="datetimeFigureOut">
               <a:rPr lang="en-US" smtClean="0"/>
-              <a:t>10/13/2017</a:t>
+              <a:t>10/16/2017</a:t>
             </a:fld>
             <a:endParaRPr lang="en-US"/>
           </a:p>
@@ -2085,7 +2085,7 @@
           <a:p>
             <a:fld id="{38B92EED-EC5D-481D-8393-A7289D5F8955}" type="datetimeFigureOut">
               <a:rPr lang="en-US" smtClean="0"/>
-              <a:t>10/13/2017</a:t>
+              <a:t>10/16/2017</a:t>
             </a:fld>
             <a:endParaRPr lang="en-US"/>
           </a:p>
@@ -2264,7 +2264,7 @@
           <a:p>
             <a:fld id="{38B92EED-EC5D-481D-8393-A7289D5F8955}" type="datetimeFigureOut">
               <a:rPr lang="en-US" smtClean="0"/>
-              <a:t>10/13/2017</a:t>
+              <a:t>10/16/2017</a:t>
             </a:fld>
             <a:endParaRPr lang="en-US"/>
           </a:p>
@@ -2505,7 +2505,7 @@
           <a:p>
             <a:fld id="{D088F999-7A4E-6B4F-9FED-EF75B73AD044}" type="datetimeFigureOut">
               <a:rPr lang="en-US" smtClean="0"/>
-              <a:t>10/13/2017</a:t>
+              <a:t>10/16/2017</a:t>
             </a:fld>
             <a:endParaRPr lang="en-US"/>
           </a:p>
@@ -2673,7 +2673,7 @@
           <a:p>
             <a:fld id="{D088F999-7A4E-6B4F-9FED-EF75B73AD044}" type="datetimeFigureOut">
               <a:rPr lang="en-US" smtClean="0"/>
-              <a:t>10/13/2017</a:t>
+              <a:t>10/16/2017</a:t>
             </a:fld>
             <a:endParaRPr lang="en-US"/>
           </a:p>
@@ -2918,7 +2918,7 @@
           <a:p>
             <a:fld id="{D088F999-7A4E-6B4F-9FED-EF75B73AD044}" type="datetimeFigureOut">
               <a:rPr lang="en-US" smtClean="0"/>
-              <a:t>10/13/2017</a:t>
+              <a:t>10/16/2017</a:t>
             </a:fld>
             <a:endParaRPr lang="en-US"/>
           </a:p>
@@ -3203,7 +3203,7 @@
           <a:p>
             <a:fld id="{D088F999-7A4E-6B4F-9FED-EF75B73AD044}" type="datetimeFigureOut">
               <a:rPr lang="en-US" smtClean="0"/>
-              <a:t>10/13/2017</a:t>
+              <a:t>10/16/2017</a:t>
             </a:fld>
             <a:endParaRPr lang="en-US"/>
           </a:p>
@@ -3622,7 +3622,7 @@
           <a:p>
             <a:fld id="{D088F999-7A4E-6B4F-9FED-EF75B73AD044}" type="datetimeFigureOut">
               <a:rPr lang="en-US" smtClean="0"/>
-              <a:t>10/13/2017</a:t>
+              <a:t>10/16/2017</a:t>
             </a:fld>
             <a:endParaRPr lang="en-US"/>
           </a:p>
@@ -3739,7 +3739,7 @@
           <a:p>
             <a:fld id="{D088F999-7A4E-6B4F-9FED-EF75B73AD044}" type="datetimeFigureOut">
               <a:rPr lang="en-US" smtClean="0"/>
-              <a:t>10/13/2017</a:t>
+              <a:t>10/16/2017</a:t>
             </a:fld>
             <a:endParaRPr lang="en-US"/>
           </a:p>
@@ -3834,7 +3834,7 @@
           <a:p>
             <a:fld id="{D088F999-7A4E-6B4F-9FED-EF75B73AD044}" type="datetimeFigureOut">
               <a:rPr lang="en-US" smtClean="0"/>
-              <a:t>10/13/2017</a:t>
+              <a:t>10/16/2017</a:t>
             </a:fld>
             <a:endParaRPr lang="en-US"/>
           </a:p>
@@ -4109,7 +4109,7 @@
           <a:p>
             <a:fld id="{D088F999-7A4E-6B4F-9FED-EF75B73AD044}" type="datetimeFigureOut">
               <a:rPr lang="en-US" smtClean="0"/>
-              <a:t>10/13/2017</a:t>
+              <a:t>10/16/2017</a:t>
             </a:fld>
             <a:endParaRPr lang="en-US"/>
           </a:p>
@@ -4277,7 +4277,7 @@
           <a:p>
             <a:fld id="{38B92EED-EC5D-481D-8393-A7289D5F8955}" type="datetimeFigureOut">
               <a:rPr lang="en-US" smtClean="0"/>
-              <a:t>10/13/2017</a:t>
+              <a:t>10/16/2017</a:t>
             </a:fld>
             <a:endParaRPr lang="en-US"/>
           </a:p>
@@ -4533,7 +4533,7 @@
           <a:p>
             <a:fld id="{D088F999-7A4E-6B4F-9FED-EF75B73AD044}" type="datetimeFigureOut">
               <a:rPr lang="en-US" smtClean="0"/>
-              <a:t>10/13/2017</a:t>
+              <a:t>10/16/2017</a:t>
             </a:fld>
             <a:endParaRPr lang="en-US"/>
           </a:p>
@@ -4701,7 +4701,7 @@
           <a:p>
             <a:fld id="{D088F999-7A4E-6B4F-9FED-EF75B73AD044}" type="datetimeFigureOut">
               <a:rPr lang="en-US" smtClean="0"/>
-              <a:t>10/13/2017</a:t>
+              <a:t>10/16/2017</a:t>
             </a:fld>
             <a:endParaRPr lang="en-US"/>
           </a:p>
@@ -4879,7 +4879,7 @@
           <a:p>
             <a:fld id="{D088F999-7A4E-6B4F-9FED-EF75B73AD044}" type="datetimeFigureOut">
               <a:rPr lang="en-US" smtClean="0"/>
-              <a:t>10/13/2017</a:t>
+              <a:t>10/16/2017</a:t>
             </a:fld>
             <a:endParaRPr lang="en-US"/>
           </a:p>
@@ -5119,7 +5119,7 @@
             <a:fld id="{3FE51E94-D08C-431E-88FC-7EB62E529A19}" type="datetimeFigureOut">
               <a:rPr lang="en-US" smtClean="0"/>
               <a:pPr/>
-              <a:t>10/13/2017</a:t>
+              <a:t>10/16/2017</a:t>
             </a:fld>
             <a:endParaRPr lang="en-US"/>
           </a:p>
@@ -5289,7 +5289,7 @@
             <a:fld id="{3FE51E94-D08C-431E-88FC-7EB62E529A19}" type="datetimeFigureOut">
               <a:rPr lang="en-US" smtClean="0"/>
               <a:pPr/>
-              <a:t>10/13/2017</a:t>
+              <a:t>10/16/2017</a:t>
             </a:fld>
             <a:endParaRPr lang="en-US"/>
           </a:p>
@@ -5536,7 +5536,7 @@
             <a:fld id="{3FE51E94-D08C-431E-88FC-7EB62E529A19}" type="datetimeFigureOut">
               <a:rPr lang="en-US" smtClean="0"/>
               <a:pPr/>
-              <a:t>10/13/2017</a:t>
+              <a:t>10/16/2017</a:t>
             </a:fld>
             <a:endParaRPr lang="en-US"/>
           </a:p>
@@ -5823,7 +5823,7 @@
             <a:fld id="{3FE51E94-D08C-431E-88FC-7EB62E529A19}" type="datetimeFigureOut">
               <a:rPr lang="en-US" smtClean="0"/>
               <a:pPr/>
-              <a:t>10/13/2017</a:t>
+              <a:t>10/16/2017</a:t>
             </a:fld>
             <a:endParaRPr lang="en-US"/>
           </a:p>
@@ -6249,7 +6249,7 @@
             <a:fld id="{3FE51E94-D08C-431E-88FC-7EB62E529A19}" type="datetimeFigureOut">
               <a:rPr lang="en-US" smtClean="0"/>
               <a:pPr/>
-              <a:t>10/13/2017</a:t>
+              <a:t>10/16/2017</a:t>
             </a:fld>
             <a:endParaRPr lang="en-US"/>
           </a:p>
@@ -6368,7 +6368,7 @@
             <a:fld id="{3FE51E94-D08C-431E-88FC-7EB62E529A19}" type="datetimeFigureOut">
               <a:rPr lang="en-US" smtClean="0"/>
               <a:pPr/>
-              <a:t>10/13/2017</a:t>
+              <a:t>10/16/2017</a:t>
             </a:fld>
             <a:endParaRPr lang="en-US"/>
           </a:p>
@@ -6465,7 +6465,7 @@
             <a:fld id="{3FE51E94-D08C-431E-88FC-7EB62E529A19}" type="datetimeFigureOut">
               <a:rPr lang="en-US" smtClean="0"/>
               <a:pPr/>
-              <a:t>10/13/2017</a:t>
+              <a:t>10/16/2017</a:t>
             </a:fld>
             <a:endParaRPr lang="en-US"/>
           </a:p>
@@ -6711,7 +6711,7 @@
           <a:p>
             <a:fld id="{38B92EED-EC5D-481D-8393-A7289D5F8955}" type="datetimeFigureOut">
               <a:rPr lang="en-US" smtClean="0"/>
-              <a:t>10/13/2017</a:t>
+              <a:t>10/16/2017</a:t>
             </a:fld>
             <a:endParaRPr lang="en-US"/>
           </a:p>
@@ -6988,7 +6988,7 @@
             <a:fld id="{3FE51E94-D08C-431E-88FC-7EB62E529A19}" type="datetimeFigureOut">
               <a:rPr lang="en-US" smtClean="0"/>
               <a:pPr/>
-              <a:t>10/13/2017</a:t>
+              <a:t>10/16/2017</a:t>
             </a:fld>
             <a:endParaRPr lang="en-US"/>
           </a:p>
@@ -7245,7 +7245,7 @@
             <a:fld id="{3FE51E94-D08C-431E-88FC-7EB62E529A19}" type="datetimeFigureOut">
               <a:rPr lang="en-US" smtClean="0"/>
               <a:pPr/>
-              <a:t>10/13/2017</a:t>
+              <a:t>10/16/2017</a:t>
             </a:fld>
             <a:endParaRPr lang="en-US"/>
           </a:p>
@@ -7415,7 +7415,7 @@
             <a:fld id="{3FE51E94-D08C-431E-88FC-7EB62E529A19}" type="datetimeFigureOut">
               <a:rPr lang="en-US" smtClean="0"/>
               <a:pPr/>
-              <a:t>10/13/2017</a:t>
+              <a:t>10/16/2017</a:t>
             </a:fld>
             <a:endParaRPr lang="en-US"/>
           </a:p>
@@ -7595,7 +7595,7 @@
             <a:fld id="{3FE51E94-D08C-431E-88FC-7EB62E529A19}" type="datetimeFigureOut">
               <a:rPr lang="en-US" smtClean="0"/>
               <a:pPr/>
-              <a:t>10/13/2017</a:t>
+              <a:t>10/16/2017</a:t>
             </a:fld>
             <a:endParaRPr lang="en-US"/>
           </a:p>
@@ -8004,7 +8004,7 @@
           <a:p>
             <a:fld id="{D088F999-7A4E-6B4F-9FED-EF75B73AD044}" type="datetimeFigureOut">
               <a:rPr lang="en-US" smtClean="0"/>
-              <a:t>10/13/2017</a:t>
+              <a:t>10/16/2017</a:t>
             </a:fld>
             <a:endParaRPr lang="en-US"/>
           </a:p>
@@ -8172,7 +8172,7 @@
           <a:p>
             <a:fld id="{D088F999-7A4E-6B4F-9FED-EF75B73AD044}" type="datetimeFigureOut">
               <a:rPr lang="en-US" smtClean="0"/>
-              <a:t>10/13/2017</a:t>
+              <a:t>10/16/2017</a:t>
             </a:fld>
             <a:endParaRPr lang="en-US"/>
           </a:p>
@@ -8417,7 +8417,7 @@
           <a:p>
             <a:fld id="{D088F999-7A4E-6B4F-9FED-EF75B73AD044}" type="datetimeFigureOut">
               <a:rPr lang="en-US" smtClean="0"/>
-              <a:t>10/13/2017</a:t>
+              <a:t>10/16/2017</a:t>
             </a:fld>
             <a:endParaRPr lang="en-US"/>
           </a:p>
@@ -8702,7 +8702,7 @@
           <a:p>
             <a:fld id="{38B92EED-EC5D-481D-8393-A7289D5F8955}" type="datetimeFigureOut">
               <a:rPr lang="en-US" smtClean="0"/>
-              <a:t>10/13/2017</a:t>
+              <a:t>10/16/2017</a:t>
             </a:fld>
             <a:endParaRPr lang="en-US"/>
           </a:p>
@@ -8988,7 +8988,7 @@
           <a:p>
             <a:fld id="{D088F999-7A4E-6B4F-9FED-EF75B73AD044}" type="datetimeFigureOut">
               <a:rPr lang="en-US" smtClean="0"/>
-              <a:t>10/13/2017</a:t>
+              <a:t>10/16/2017</a:t>
             </a:fld>
             <a:endParaRPr lang="en-US"/>
           </a:p>
@@ -9407,7 +9407,7 @@
           <a:p>
             <a:fld id="{D088F999-7A4E-6B4F-9FED-EF75B73AD044}" type="datetimeFigureOut">
               <a:rPr lang="en-US" smtClean="0"/>
-              <a:t>10/13/2017</a:t>
+              <a:t>10/16/2017</a:t>
             </a:fld>
             <a:endParaRPr lang="en-US"/>
           </a:p>
@@ -9524,7 +9524,7 @@
           <a:p>
             <a:fld id="{D088F999-7A4E-6B4F-9FED-EF75B73AD044}" type="datetimeFigureOut">
               <a:rPr lang="en-US" smtClean="0"/>
-              <a:t>10/13/2017</a:t>
+              <a:t>10/16/2017</a:t>
             </a:fld>
             <a:endParaRPr lang="en-US"/>
           </a:p>
@@ -9619,7 +9619,7 @@
           <a:p>
             <a:fld id="{D088F999-7A4E-6B4F-9FED-EF75B73AD044}" type="datetimeFigureOut">
               <a:rPr lang="en-US" smtClean="0"/>
-              <a:t>10/13/2017</a:t>
+              <a:t>10/16/2017</a:t>
             </a:fld>
             <a:endParaRPr lang="en-US"/>
           </a:p>
@@ -9894,7 +9894,7 @@
           <a:p>
             <a:fld id="{D088F999-7A4E-6B4F-9FED-EF75B73AD044}" type="datetimeFigureOut">
               <a:rPr lang="en-US" smtClean="0"/>
-              <a:t>10/13/2017</a:t>
+              <a:t>10/16/2017</a:t>
             </a:fld>
             <a:endParaRPr lang="en-US"/>
           </a:p>
@@ -10149,7 +10149,7 @@
           <a:p>
             <a:fld id="{D088F999-7A4E-6B4F-9FED-EF75B73AD044}" type="datetimeFigureOut">
               <a:rPr lang="en-US" smtClean="0"/>
-              <a:t>10/13/2017</a:t>
+              <a:t>10/16/2017</a:t>
             </a:fld>
             <a:endParaRPr lang="en-US"/>
           </a:p>
@@ -10317,7 +10317,7 @@
           <a:p>
             <a:fld id="{D088F999-7A4E-6B4F-9FED-EF75B73AD044}" type="datetimeFigureOut">
               <a:rPr lang="en-US" smtClean="0"/>
-              <a:t>10/13/2017</a:t>
+              <a:t>10/16/2017</a:t>
             </a:fld>
             <a:endParaRPr lang="en-US"/>
           </a:p>
@@ -10495,7 +10495,7 @@
           <a:p>
             <a:fld id="{D088F999-7A4E-6B4F-9FED-EF75B73AD044}" type="datetimeFigureOut">
               <a:rPr lang="en-US" smtClean="0"/>
-              <a:t>10/13/2017</a:t>
+              <a:t>10/16/2017</a:t>
             </a:fld>
             <a:endParaRPr lang="en-US"/>
           </a:p>
@@ -10735,7 +10735,7 @@
             <a:fld id="{3FE51E94-D08C-431E-88FC-7EB62E529A19}" type="datetimeFigureOut">
               <a:rPr lang="en-US" smtClean="0"/>
               <a:pPr/>
-              <a:t>10/13/2017</a:t>
+              <a:t>10/16/2017</a:t>
             </a:fld>
             <a:endParaRPr lang="en-US"/>
           </a:p>
@@ -10905,7 +10905,7 @@
             <a:fld id="{3FE51E94-D08C-431E-88FC-7EB62E529A19}" type="datetimeFigureOut">
               <a:rPr lang="en-US" smtClean="0"/>
               <a:pPr/>
-              <a:t>10/13/2017</a:t>
+              <a:t>10/16/2017</a:t>
             </a:fld>
             <a:endParaRPr lang="en-US"/>
           </a:p>
@@ -11325,7 +11325,7 @@
           <a:p>
             <a:fld id="{38B92EED-EC5D-481D-8393-A7289D5F8955}" type="datetimeFigureOut">
               <a:rPr lang="en-US" smtClean="0"/>
-              <a:t>10/13/2017</a:t>
+              <a:t>10/16/2017</a:t>
             </a:fld>
             <a:endParaRPr lang="en-US"/>
           </a:p>
@@ -11572,7 +11572,7 @@
             <a:fld id="{3FE51E94-D08C-431E-88FC-7EB62E529A19}" type="datetimeFigureOut">
               <a:rPr lang="en-US" smtClean="0"/>
               <a:pPr/>
-              <a:t>10/13/2017</a:t>
+              <a:t>10/16/2017</a:t>
             </a:fld>
             <a:endParaRPr lang="en-US"/>
           </a:p>
@@ -11859,7 +11859,7 @@
             <a:fld id="{3FE51E94-D08C-431E-88FC-7EB62E529A19}" type="datetimeFigureOut">
               <a:rPr lang="en-US" smtClean="0"/>
               <a:pPr/>
-              <a:t>10/13/2017</a:t>
+              <a:t>10/16/2017</a:t>
             </a:fld>
             <a:endParaRPr lang="en-US"/>
           </a:p>
@@ -12285,7 +12285,7 @@
             <a:fld id="{3FE51E94-D08C-431E-88FC-7EB62E529A19}" type="datetimeFigureOut">
               <a:rPr lang="en-US" smtClean="0"/>
               <a:pPr/>
-              <a:t>10/13/2017</a:t>
+              <a:t>10/16/2017</a:t>
             </a:fld>
             <a:endParaRPr lang="en-US"/>
           </a:p>
@@ -12404,7 +12404,7 @@
             <a:fld id="{3FE51E94-D08C-431E-88FC-7EB62E529A19}" type="datetimeFigureOut">
               <a:rPr lang="en-US" smtClean="0"/>
               <a:pPr/>
-              <a:t>10/13/2017</a:t>
+              <a:t>10/16/2017</a:t>
             </a:fld>
             <a:endParaRPr lang="en-US"/>
           </a:p>
@@ -12501,7 +12501,7 @@
             <a:fld id="{3FE51E94-D08C-431E-88FC-7EB62E529A19}" type="datetimeFigureOut">
               <a:rPr lang="en-US" smtClean="0"/>
               <a:pPr/>
-              <a:t>10/13/2017</a:t>
+              <a:t>10/16/2017</a:t>
             </a:fld>
             <a:endParaRPr lang="en-US"/>
           </a:p>
@@ -12778,7 +12778,7 @@
             <a:fld id="{3FE51E94-D08C-431E-88FC-7EB62E529A19}" type="datetimeFigureOut">
               <a:rPr lang="en-US" smtClean="0"/>
               <a:pPr/>
-              <a:t>10/13/2017</a:t>
+              <a:t>10/16/2017</a:t>
             </a:fld>
             <a:endParaRPr lang="en-US"/>
           </a:p>
@@ -13035,7 +13035,7 @@
             <a:fld id="{3FE51E94-D08C-431E-88FC-7EB62E529A19}" type="datetimeFigureOut">
               <a:rPr lang="en-US" smtClean="0"/>
               <a:pPr/>
-              <a:t>10/13/2017</a:t>
+              <a:t>10/16/2017</a:t>
             </a:fld>
             <a:endParaRPr lang="en-US"/>
           </a:p>
@@ -13205,7 +13205,7 @@
             <a:fld id="{3FE51E94-D08C-431E-88FC-7EB62E529A19}" type="datetimeFigureOut">
               <a:rPr lang="en-US" smtClean="0"/>
               <a:pPr/>
-              <a:t>10/13/2017</a:t>
+              <a:t>10/16/2017</a:t>
             </a:fld>
             <a:endParaRPr lang="en-US"/>
           </a:p>
@@ -13385,7 +13385,7 @@
             <a:fld id="{3FE51E94-D08C-431E-88FC-7EB62E529A19}" type="datetimeFigureOut">
               <a:rPr lang="en-US" smtClean="0"/>
               <a:pPr/>
-              <a:t>10/13/2017</a:t>
+              <a:t>10/16/2017</a:t>
             </a:fld>
             <a:endParaRPr lang="en-US"/>
           </a:p>
@@ -13559,7 +13559,7 @@
           <a:p>
             <a:fld id="{38B92EED-EC5D-481D-8393-A7289D5F8955}" type="datetimeFigureOut">
               <a:rPr lang="en-US" smtClean="0"/>
-              <a:t>10/13/2017</a:t>
+              <a:t>10/16/2017</a:t>
             </a:fld>
             <a:endParaRPr lang="en-US"/>
           </a:p>
@@ -13912,7 +13912,7 @@
           <a:p>
             <a:fld id="{D088F999-7A4E-6B4F-9FED-EF75B73AD044}" type="datetimeFigureOut">
               <a:rPr lang="en-US" smtClean="0"/>
-              <a:t>10/13/2017</a:t>
+              <a:t>10/16/2017</a:t>
             </a:fld>
             <a:endParaRPr lang="en-US"/>
           </a:p>
@@ -14080,7 +14080,7 @@
           <a:p>
             <a:fld id="{D088F999-7A4E-6B4F-9FED-EF75B73AD044}" type="datetimeFigureOut">
               <a:rPr lang="en-US" smtClean="0"/>
-              <a:t>10/13/2017</a:t>
+              <a:t>10/16/2017</a:t>
             </a:fld>
             <a:endParaRPr lang="en-US"/>
           </a:p>
@@ -14325,7 +14325,7 @@
           <a:p>
             <a:fld id="{D088F999-7A4E-6B4F-9FED-EF75B73AD044}" type="datetimeFigureOut">
               <a:rPr lang="en-US" smtClean="0"/>
-              <a:t>10/13/2017</a:t>
+              <a:t>10/16/2017</a:t>
             </a:fld>
             <a:endParaRPr lang="en-US"/>
           </a:p>
@@ -14610,7 +14610,7 @@
           <a:p>
             <a:fld id="{D088F999-7A4E-6B4F-9FED-EF75B73AD044}" type="datetimeFigureOut">
               <a:rPr lang="en-US" smtClean="0"/>
-              <a:t>10/13/2017</a:t>
+              <a:t>10/16/2017</a:t>
             </a:fld>
             <a:endParaRPr lang="en-US"/>
           </a:p>
@@ -15029,7 +15029,7 @@
           <a:p>
             <a:fld id="{D088F999-7A4E-6B4F-9FED-EF75B73AD044}" type="datetimeFigureOut">
               <a:rPr lang="en-US" smtClean="0"/>
-              <a:t>10/13/2017</a:t>
+              <a:t>10/16/2017</a:t>
             </a:fld>
             <a:endParaRPr lang="en-US"/>
           </a:p>
@@ -15146,7 +15146,7 @@
           <a:p>
             <a:fld id="{D088F999-7A4E-6B4F-9FED-EF75B73AD044}" type="datetimeFigureOut">
               <a:rPr lang="en-US" smtClean="0"/>
-              <a:t>10/13/2017</a:t>
+              <a:t>10/16/2017</a:t>
             </a:fld>
             <a:endParaRPr lang="en-US"/>
           </a:p>
@@ -15241,7 +15241,7 @@
           <a:p>
             <a:fld id="{D088F999-7A4E-6B4F-9FED-EF75B73AD044}" type="datetimeFigureOut">
               <a:rPr lang="en-US" smtClean="0"/>
-              <a:t>10/13/2017</a:t>
+              <a:t>10/16/2017</a:t>
             </a:fld>
             <a:endParaRPr lang="en-US"/>
           </a:p>
@@ -15516,7 +15516,7 @@
           <a:p>
             <a:fld id="{D088F999-7A4E-6B4F-9FED-EF75B73AD044}" type="datetimeFigureOut">
               <a:rPr lang="en-US" smtClean="0"/>
-              <a:t>10/13/2017</a:t>
+              <a:t>10/16/2017</a:t>
             </a:fld>
             <a:endParaRPr lang="en-US"/>
           </a:p>
@@ -15611,7 +15611,7 @@
           <a:p>
             <a:fld id="{38B92EED-EC5D-481D-8393-A7289D5F8955}" type="datetimeFigureOut">
               <a:rPr lang="en-US" smtClean="0"/>
-              <a:t>10/13/2017</a:t>
+              <a:t>10/16/2017</a:t>
             </a:fld>
             <a:endParaRPr lang="en-US"/>
           </a:p>
@@ -15867,7 +15867,7 @@
           <a:p>
             <a:fld id="{D088F999-7A4E-6B4F-9FED-EF75B73AD044}" type="datetimeFigureOut">
               <a:rPr lang="en-US" smtClean="0"/>
-              <a:t>10/13/2017</a:t>
+              <a:t>10/16/2017</a:t>
             </a:fld>
             <a:endParaRPr lang="en-US"/>
           </a:p>
@@ -16035,7 +16035,7 @@
           <a:p>
             <a:fld id="{D088F999-7A4E-6B4F-9FED-EF75B73AD044}" type="datetimeFigureOut">
               <a:rPr lang="en-US" smtClean="0"/>
-              <a:t>10/13/2017</a:t>
+              <a:t>10/16/2017</a:t>
             </a:fld>
             <a:endParaRPr lang="en-US"/>
           </a:p>
@@ -16213,7 +16213,7 @@
           <a:p>
             <a:fld id="{D088F999-7A4E-6B4F-9FED-EF75B73AD044}" type="datetimeFigureOut">
               <a:rPr lang="en-US" smtClean="0"/>
-              <a:t>10/13/2017</a:t>
+              <a:t>10/16/2017</a:t>
             </a:fld>
             <a:endParaRPr lang="en-US"/>
           </a:p>
@@ -16454,7 +16454,7 @@
             <a:fld id="{3FE51E94-D08C-431E-88FC-7EB62E529A19}" type="datetimeFigureOut">
               <a:rPr lang="en-US" smtClean="0"/>
               <a:pPr/>
-              <a:t>10/13/2017</a:t>
+              <a:t>10/16/2017</a:t>
             </a:fld>
             <a:endParaRPr lang="en-US"/>
           </a:p>
@@ -16624,7 +16624,7 @@
             <a:fld id="{3FE51E94-D08C-431E-88FC-7EB62E529A19}" type="datetimeFigureOut">
               <a:rPr lang="en-US" smtClean="0"/>
               <a:pPr/>
-              <a:t>10/13/2017</a:t>
+              <a:t>10/16/2017</a:t>
             </a:fld>
             <a:endParaRPr lang="en-US"/>
           </a:p>
@@ -16871,7 +16871,7 @@
             <a:fld id="{3FE51E94-D08C-431E-88FC-7EB62E529A19}" type="datetimeFigureOut">
               <a:rPr lang="en-US" smtClean="0"/>
               <a:pPr/>
-              <a:t>10/13/2017</a:t>
+              <a:t>10/16/2017</a:t>
             </a:fld>
             <a:endParaRPr lang="en-US"/>
           </a:p>
@@ -17158,7 +17158,7 @@
             <a:fld id="{3FE51E94-D08C-431E-88FC-7EB62E529A19}" type="datetimeFigureOut">
               <a:rPr lang="en-US" smtClean="0"/>
               <a:pPr/>
-              <a:t>10/13/2017</a:t>
+              <a:t>10/16/2017</a:t>
             </a:fld>
             <a:endParaRPr lang="en-US"/>
           </a:p>
@@ -17579,7 +17579,7 @@
             <a:fld id="{3FE51E94-D08C-431E-88FC-7EB62E529A19}" type="datetimeFigureOut">
               <a:rPr lang="en-US" smtClean="0"/>
               <a:pPr/>
-              <a:t>10/13/2017</a:t>
+              <a:t>10/16/2017</a:t>
             </a:fld>
             <a:endParaRPr lang="en-US"/>
           </a:p>
@@ -17698,7 +17698,7 @@
             <a:fld id="{3FE51E94-D08C-431E-88FC-7EB62E529A19}" type="datetimeFigureOut">
               <a:rPr lang="en-US" smtClean="0"/>
               <a:pPr/>
-              <a:t>10/13/2017</a:t>
+              <a:t>10/16/2017</a:t>
             </a:fld>
             <a:endParaRPr lang="en-US"/>
           </a:p>
@@ -17795,7 +17795,7 @@
             <a:fld id="{3FE51E94-D08C-431E-88FC-7EB62E529A19}" type="datetimeFigureOut">
               <a:rPr lang="en-US" smtClean="0"/>
               <a:pPr/>
-              <a:t>10/13/2017</a:t>
+              <a:t>10/16/2017</a:t>
             </a:fld>
             <a:endParaRPr lang="en-US"/>
           </a:p>
@@ -18071,7 +18071,7 @@
           <a:p>
             <a:fld id="{38B92EED-EC5D-481D-8393-A7289D5F8955}" type="datetimeFigureOut">
               <a:rPr lang="en-US" smtClean="0"/>
-              <a:t>10/13/2017</a:t>
+              <a:t>10/16/2017</a:t>
             </a:fld>
             <a:endParaRPr lang="en-US"/>
           </a:p>
@@ -18348,7 +18348,7 @@
             <a:fld id="{3FE51E94-D08C-431E-88FC-7EB62E529A19}" type="datetimeFigureOut">
               <a:rPr lang="en-US" smtClean="0"/>
               <a:pPr/>
-              <a:t>10/13/2017</a:t>
+              <a:t>10/16/2017</a:t>
             </a:fld>
             <a:endParaRPr lang="en-US"/>
           </a:p>
@@ -18605,7 +18605,7 @@
             <a:fld id="{3FE51E94-D08C-431E-88FC-7EB62E529A19}" type="datetimeFigureOut">
               <a:rPr lang="en-US" smtClean="0"/>
               <a:pPr/>
-              <a:t>10/13/2017</a:t>
+              <a:t>10/16/2017</a:t>
             </a:fld>
             <a:endParaRPr lang="en-US"/>
           </a:p>
@@ -18775,7 +18775,7 @@
             <a:fld id="{3FE51E94-D08C-431E-88FC-7EB62E529A19}" type="datetimeFigureOut">
               <a:rPr lang="en-US" smtClean="0"/>
               <a:pPr/>
-              <a:t>10/13/2017</a:t>
+              <a:t>10/16/2017</a:t>
             </a:fld>
             <a:endParaRPr lang="en-US"/>
           </a:p>
@@ -18955,7 +18955,7 @@
             <a:fld id="{3FE51E94-D08C-431E-88FC-7EB62E529A19}" type="datetimeFigureOut">
               <a:rPr lang="en-US" smtClean="0"/>
               <a:pPr/>
-              <a:t>10/13/2017</a:t>
+              <a:t>10/16/2017</a:t>
             </a:fld>
             <a:endParaRPr lang="en-US"/>
           </a:p>
@@ -19206,7 +19206,7 @@
               <a:pPr>
                 <a:defRPr/>
               </a:pPr>
-              <a:t>10/13/2017</a:t>
+              <a:t>10/16/2017</a:t>
             </a:fld>
             <a:endParaRPr lang="en-US"/>
           </a:p>
@@ -19380,7 +19380,7 @@
               <a:pPr>
                 <a:defRPr/>
               </a:pPr>
-              <a:t>10/13/2017</a:t>
+              <a:t>10/16/2017</a:t>
             </a:fld>
             <a:endParaRPr lang="en-US"/>
           </a:p>
@@ -19619,7 +19619,7 @@
               <a:pPr>
                 <a:defRPr/>
               </a:pPr>
-              <a:t>10/13/2017</a:t>
+              <a:t>10/16/2017</a:t>
             </a:fld>
             <a:endParaRPr lang="en-US"/>
           </a:p>
@@ -19898,7 +19898,7 @@
               <a:pPr>
                 <a:defRPr/>
               </a:pPr>
-              <a:t>10/13/2017</a:t>
+              <a:t>10/16/2017</a:t>
             </a:fld>
             <a:endParaRPr lang="en-US"/>
           </a:p>
@@ -20316,7 +20316,7 @@
               <a:pPr>
                 <a:defRPr/>
               </a:pPr>
-              <a:t>10/13/2017</a:t>
+              <a:t>10/16/2017</a:t>
             </a:fld>
             <a:endParaRPr lang="en-US"/>
           </a:p>
@@ -20427,7 +20427,7 @@
               <a:pPr>
                 <a:defRPr/>
               </a:pPr>
-              <a:t>10/13/2017</a:t>
+              <a:t>10/16/2017</a:t>
             </a:fld>
             <a:endParaRPr lang="en-US"/>
           </a:p>
@@ -20666,7 +20666,7 @@
           <a:p>
             <a:fld id="{38B92EED-EC5D-481D-8393-A7289D5F8955}" type="datetimeFigureOut">
               <a:rPr lang="en-US" smtClean="0"/>
-              <a:t>10/13/2017</a:t>
+              <a:t>10/16/2017</a:t>
             </a:fld>
             <a:endParaRPr lang="en-US"/>
           </a:p>
@@ -20772,7 +20772,7 @@
               <a:pPr>
                 <a:defRPr/>
               </a:pPr>
-              <a:t>10/13/2017</a:t>
+              <a:t>10/16/2017</a:t>
             </a:fld>
             <a:endParaRPr lang="en-US"/>
           </a:p>
@@ -21041,7 +21041,7 @@
               <a:pPr>
                 <a:defRPr/>
               </a:pPr>
-              <a:t>10/13/2017</a:t>
+              <a:t>10/16/2017</a:t>
             </a:fld>
             <a:endParaRPr lang="en-US"/>
           </a:p>
@@ -21293,7 +21293,7 @@
               <a:pPr>
                 <a:defRPr/>
               </a:pPr>
-              <a:t>10/13/2017</a:t>
+              <a:t>10/16/2017</a:t>
             </a:fld>
             <a:endParaRPr lang="en-US"/>
           </a:p>
@@ -21455,7 +21455,7 @@
               <a:pPr>
                 <a:defRPr/>
               </a:pPr>
-              <a:t>10/13/2017</a:t>
+              <a:t>10/16/2017</a:t>
             </a:fld>
             <a:endParaRPr lang="en-US"/>
           </a:p>
@@ -21627,7 +21627,7 @@
               <a:pPr>
                 <a:defRPr/>
               </a:pPr>
-              <a:t>10/13/2017</a:t>
+              <a:t>10/16/2017</a:t>
             </a:fld>
             <a:endParaRPr lang="en-US"/>
           </a:p>
@@ -21831,7 +21831,7 @@
           <a:p>
             <a:fld id="{38B92EED-EC5D-481D-8393-A7289D5F8955}" type="datetimeFigureOut">
               <a:rPr lang="en-US" smtClean="0"/>
-              <a:t>10/13/2017</a:t>
+              <a:t>10/16/2017</a:t>
             </a:fld>
             <a:endParaRPr lang="en-US"/>
           </a:p>
@@ -22348,7 +22348,7 @@
           <a:p>
             <a:fld id="{D088F999-7A4E-6B4F-9FED-EF75B73AD044}" type="datetimeFigureOut">
               <a:rPr lang="en-US" smtClean="0"/>
-              <a:t>10/13/2017</a:t>
+              <a:t>10/16/2017</a:t>
             </a:fld>
             <a:endParaRPr lang="en-US"/>
           </a:p>
@@ -22868,7 +22868,7 @@
             <a:fld id="{3FE51E94-D08C-431E-88FC-7EB62E529A19}" type="datetimeFigureOut">
               <a:rPr lang="en-US" smtClean="0"/>
               <a:pPr/>
-              <a:t>10/13/2017</a:t>
+              <a:t>10/16/2017</a:t>
             </a:fld>
             <a:endParaRPr lang="en-US"/>
           </a:p>
@@ -23389,7 +23389,7 @@
           <a:p>
             <a:fld id="{D088F999-7A4E-6B4F-9FED-EF75B73AD044}" type="datetimeFigureOut">
               <a:rPr lang="en-US" smtClean="0"/>
-              <a:t>10/13/2017</a:t>
+              <a:t>10/16/2017</a:t>
             </a:fld>
             <a:endParaRPr lang="en-US"/>
           </a:p>
@@ -23909,7 +23909,7 @@
             <a:fld id="{3FE51E94-D08C-431E-88FC-7EB62E529A19}" type="datetimeFigureOut">
               <a:rPr lang="en-US" smtClean="0"/>
               <a:pPr/>
-              <a:t>10/13/2017</a:t>
+              <a:t>10/16/2017</a:t>
             </a:fld>
             <a:endParaRPr lang="en-US"/>
           </a:p>
@@ -24430,7 +24430,7 @@
           <a:p>
             <a:fld id="{D088F999-7A4E-6B4F-9FED-EF75B73AD044}" type="datetimeFigureOut">
               <a:rPr lang="en-US" smtClean="0"/>
-              <a:t>10/13/2017</a:t>
+              <a:t>10/16/2017</a:t>
             </a:fld>
             <a:endParaRPr lang="en-US"/>
           </a:p>
@@ -24947,7 +24947,7 @@
           <a:p>
             <a:fld id="{D088F999-7A4E-6B4F-9FED-EF75B73AD044}" type="datetimeFigureOut">
               <a:rPr lang="en-US" smtClean="0"/>
-              <a:t>10/13/2017</a:t>
+              <a:t>10/16/2017</a:t>
             </a:fld>
             <a:endParaRPr lang="en-US"/>
           </a:p>
@@ -25500,7 +25500,7 @@
               <a:pPr>
                 <a:defRPr/>
               </a:pPr>
-              <a:t>10/13/2017</a:t>
+              <a:t>10/16/2017</a:t>
             </a:fld>
             <a:endParaRPr lang="en-US"/>
           </a:p>
@@ -49840,6 +49840,374 @@
           <a:p>
             <a:r>
               <a:rPr lang="en-US" dirty="0"/>
+              <a:t>Dynamic Data Masking (DDM) </a:t>
+            </a:r>
+          </a:p>
+        </p:txBody>
+      </p:sp>
+      <p:pic>
+        <p:nvPicPr>
+          <p:cNvPr id="5" name="Content Placeholder 4"/>
+          <p:cNvPicPr>
+            <a:picLocks noGrp="1" noChangeAspect="1"/>
+          </p:cNvPicPr>
+          <p:nvPr>
+            <p:ph idx="1"/>
+          </p:nvPr>
+        </p:nvPicPr>
+        <p:blipFill>
+          <a:blip r:embed="rId3">
+            <a:extLst>
+              <a:ext uri="{28A0092B-C50C-407E-A947-70E740481C1C}">
+                <a14:useLocalDpi xmlns:a14="http://schemas.microsoft.com/office/drawing/2010/main" val="0"/>
+              </a:ext>
+            </a:extLst>
+          </a:blip>
+          <a:stretch>
+            <a:fillRect/>
+          </a:stretch>
+        </p:blipFill>
+        <p:spPr>
+          <a:xfrm>
+            <a:off x="3537734" y="2026265"/>
+            <a:ext cx="4885714" cy="2991267"/>
+          </a:xfrm>
+        </p:spPr>
+      </p:pic>
+    </p:spTree>
+    <p:extLst>
+      <p:ext uri="{BB962C8B-B14F-4D97-AF65-F5344CB8AC3E}">
+        <p14:creationId xmlns:p14="http://schemas.microsoft.com/office/powerpoint/2010/main" val="2629610770"/>
+      </p:ext>
+    </p:extLst>
+  </p:cSld>
+  <p:clrMapOvr>
+    <a:masterClrMapping/>
+  </p:clrMapOvr>
+</p:sld>
+</file>
+
+<file path=ppt/slides/slide24.xml><?xml version="1.0" encoding="utf-8"?>
+<p:sld xmlns:a="http://schemas.openxmlformats.org/drawingml/2006/main" xmlns:r="http://schemas.openxmlformats.org/officeDocument/2006/relationships" xmlns:p="http://schemas.openxmlformats.org/presentationml/2006/main">
+  <p:cSld>
+    <p:spTree>
+      <p:nvGrpSpPr>
+        <p:cNvPr id="1" name=""/>
+        <p:cNvGrpSpPr/>
+        <p:nvPr/>
+      </p:nvGrpSpPr>
+      <p:grpSpPr>
+        <a:xfrm>
+          <a:off x="0" y="0"/>
+          <a:ext cx="0" cy="0"/>
+          <a:chOff x="0" y="0"/>
+          <a:chExt cx="0" cy="0"/>
+        </a:xfrm>
+      </p:grpSpPr>
+      <p:sp>
+        <p:nvSpPr>
+          <p:cNvPr id="2" name="Title 1"/>
+          <p:cNvSpPr>
+            <a:spLocks noGrp="1"/>
+          </p:cNvSpPr>
+          <p:nvPr>
+            <p:ph type="title"/>
+          </p:nvPr>
+        </p:nvSpPr>
+        <p:spPr/>
+        <p:txBody>
+          <a:bodyPr/>
+          <a:lstStyle/>
+          <a:p>
+            <a:r>
+              <a:rPr lang="en-US" dirty="0"/>
+              <a:t>Dynamic Data Masking (DDM) </a:t>
+            </a:r>
+          </a:p>
+        </p:txBody>
+      </p:sp>
+      <p:sp>
+        <p:nvSpPr>
+          <p:cNvPr id="3" name="Content Placeholder 2"/>
+          <p:cNvSpPr>
+            <a:spLocks noGrp="1"/>
+          </p:cNvSpPr>
+          <p:nvPr>
+            <p:ph idx="1"/>
+          </p:nvPr>
+        </p:nvSpPr>
+        <p:spPr/>
+        <p:txBody>
+          <a:bodyPr/>
+          <a:lstStyle/>
+          <a:p>
+            <a:r>
+              <a:rPr lang="en-US" dirty="0"/>
+              <a:t>No changes to data or storage</a:t>
+            </a:r>
+          </a:p>
+          <a:p>
+            <a:r>
+              <a:rPr lang="en-US" dirty="0"/>
+              <a:t>DDM defines how data appears when queried.</a:t>
+            </a:r>
+          </a:p>
+          <a:p>
+            <a:r>
+              <a:rPr lang="en-US" dirty="0"/>
+              <a:t>Does not require changes to application code</a:t>
+            </a:r>
+          </a:p>
+          <a:p>
+            <a:r>
+              <a:rPr lang="en-US" dirty="0"/>
+              <a:t>This is a NOT ENCRYPTION</a:t>
+            </a:r>
+          </a:p>
+          <a:p>
+            <a:r>
+              <a:rPr lang="en-US" dirty="0"/>
+              <a:t>This is an application programming convenience feature</a:t>
+            </a:r>
+          </a:p>
+          <a:p>
+            <a:r>
+              <a:rPr lang="en-US" dirty="0"/>
+              <a:t>NOT SECURITY</a:t>
+            </a:r>
+          </a:p>
+        </p:txBody>
+      </p:sp>
+    </p:spTree>
+    <p:extLst>
+      <p:ext uri="{BB962C8B-B14F-4D97-AF65-F5344CB8AC3E}">
+        <p14:creationId xmlns:p14="http://schemas.microsoft.com/office/powerpoint/2010/main" val="2899329802"/>
+      </p:ext>
+    </p:extLst>
+  </p:cSld>
+  <p:clrMapOvr>
+    <a:masterClrMapping/>
+  </p:clrMapOvr>
+</p:sld>
+</file>
+
+<file path=ppt/slides/slide25.xml><?xml version="1.0" encoding="utf-8"?>
+<p:sld xmlns:a="http://schemas.openxmlformats.org/drawingml/2006/main" xmlns:r="http://schemas.openxmlformats.org/officeDocument/2006/relationships" xmlns:p="http://schemas.openxmlformats.org/presentationml/2006/main">
+  <p:cSld>
+    <p:spTree>
+      <p:nvGrpSpPr>
+        <p:cNvPr id="1" name=""/>
+        <p:cNvGrpSpPr/>
+        <p:nvPr/>
+      </p:nvGrpSpPr>
+      <p:grpSpPr>
+        <a:xfrm>
+          <a:off x="0" y="0"/>
+          <a:ext cx="0" cy="0"/>
+          <a:chOff x="0" y="0"/>
+          <a:chExt cx="0" cy="0"/>
+        </a:xfrm>
+      </p:grpSpPr>
+      <p:sp>
+        <p:nvSpPr>
+          <p:cNvPr id="4" name="Title 3"/>
+          <p:cNvSpPr>
+            <a:spLocks noGrp="1"/>
+          </p:cNvSpPr>
+          <p:nvPr>
+            <p:ph type="title"/>
+          </p:nvPr>
+        </p:nvSpPr>
+        <p:spPr/>
+        <p:txBody>
+          <a:bodyPr/>
+          <a:lstStyle/>
+          <a:p>
+            <a:r>
+              <a:rPr lang="en-US" dirty="0"/>
+              <a:t>Demo</a:t>
+            </a:r>
+          </a:p>
+        </p:txBody>
+      </p:sp>
+      <p:sp>
+        <p:nvSpPr>
+          <p:cNvPr id="5" name="Text Placeholder 4"/>
+          <p:cNvSpPr>
+            <a:spLocks noGrp="1"/>
+          </p:cNvSpPr>
+          <p:nvPr>
+            <p:ph type="body" idx="1"/>
+          </p:nvPr>
+        </p:nvSpPr>
+        <p:spPr/>
+        <p:txBody>
+          <a:bodyPr/>
+          <a:lstStyle/>
+          <a:p>
+            <a:r>
+              <a:rPr lang="en-US" dirty="0"/>
+              <a:t>Dynamic Data Masking</a:t>
+            </a:r>
+          </a:p>
+        </p:txBody>
+      </p:sp>
+    </p:spTree>
+    <p:extLst>
+      <p:ext uri="{BB962C8B-B14F-4D97-AF65-F5344CB8AC3E}">
+        <p14:creationId xmlns:p14="http://schemas.microsoft.com/office/powerpoint/2010/main" val="2990823839"/>
+      </p:ext>
+    </p:extLst>
+  </p:cSld>
+  <p:clrMapOvr>
+    <a:masterClrMapping/>
+  </p:clrMapOvr>
+</p:sld>
+</file>
+
+<file path=ppt/slides/slide26.xml><?xml version="1.0" encoding="utf-8"?>
+<p:sld xmlns:a="http://schemas.openxmlformats.org/drawingml/2006/main" xmlns:r="http://schemas.openxmlformats.org/officeDocument/2006/relationships" xmlns:p="http://schemas.openxmlformats.org/presentationml/2006/main">
+  <p:cSld>
+    <p:spTree>
+      <p:nvGrpSpPr>
+        <p:cNvPr id="1" name=""/>
+        <p:cNvGrpSpPr/>
+        <p:nvPr/>
+      </p:nvGrpSpPr>
+      <p:grpSpPr>
+        <a:xfrm>
+          <a:off x="0" y="0"/>
+          <a:ext cx="0" cy="0"/>
+          <a:chOff x="0" y="0"/>
+          <a:chExt cx="0" cy="0"/>
+        </a:xfrm>
+      </p:grpSpPr>
+      <p:sp>
+        <p:nvSpPr>
+          <p:cNvPr id="2" name="Title 1"/>
+          <p:cNvSpPr>
+            <a:spLocks noGrp="1"/>
+          </p:cNvSpPr>
+          <p:nvPr>
+            <p:ph type="title"/>
+          </p:nvPr>
+        </p:nvSpPr>
+        <p:spPr/>
+        <p:txBody>
+          <a:bodyPr/>
+          <a:lstStyle/>
+          <a:p>
+            <a:r>
+              <a:rPr lang="en-US" dirty="0"/>
+              <a:t>Dynamic Data Masking - Limitations </a:t>
+            </a:r>
+          </a:p>
+        </p:txBody>
+      </p:sp>
+      <p:sp>
+        <p:nvSpPr>
+          <p:cNvPr id="3" name="Content Placeholder 2"/>
+          <p:cNvSpPr>
+            <a:spLocks noGrp="1"/>
+          </p:cNvSpPr>
+          <p:nvPr>
+            <p:ph idx="1"/>
+          </p:nvPr>
+        </p:nvSpPr>
+        <p:spPr/>
+        <p:txBody>
+          <a:bodyPr/>
+          <a:lstStyle/>
+          <a:p>
+            <a:r>
+              <a:rPr lang="en-US" dirty="0"/>
+              <a:t>Does not work with Always Encrypted columns</a:t>
+            </a:r>
+          </a:p>
+          <a:p>
+            <a:r>
+              <a:rPr lang="en-US" dirty="0"/>
+              <a:t>UNMASK is by database, not by table or column</a:t>
+            </a:r>
+          </a:p>
+          <a:p>
+            <a:r>
+              <a:rPr lang="en-US" dirty="0"/>
+              <a:t>This is an all or nothing feature - data is masked for all rows, no exceptions</a:t>
+            </a:r>
+          </a:p>
+          <a:p>
+            <a:r>
+              <a:rPr lang="en-US" dirty="0"/>
+              <a:t>The query plan, statistics, etc. do not mask data</a:t>
+            </a:r>
+          </a:p>
+          <a:p>
+            <a:r>
+              <a:rPr lang="en-US" dirty="0"/>
+              <a:t>Attacks against the data are possible with </a:t>
+            </a:r>
+            <a:r>
+              <a:rPr lang="en-US" dirty="0" err="1"/>
+              <a:t>adhoc</a:t>
+            </a:r>
+            <a:r>
+              <a:rPr lang="en-US" dirty="0"/>
+              <a:t> queries</a:t>
+            </a:r>
+          </a:p>
+          <a:p>
+            <a:endParaRPr lang="en-US" dirty="0"/>
+          </a:p>
+        </p:txBody>
+      </p:sp>
+    </p:spTree>
+    <p:extLst>
+      <p:ext uri="{BB962C8B-B14F-4D97-AF65-F5344CB8AC3E}">
+        <p14:creationId xmlns:p14="http://schemas.microsoft.com/office/powerpoint/2010/main" val="639806232"/>
+      </p:ext>
+    </p:extLst>
+  </p:cSld>
+  <p:clrMapOvr>
+    <a:masterClrMapping/>
+  </p:clrMapOvr>
+</p:sld>
+</file>
+
+<file path=ppt/slides/slide27.xml><?xml version="1.0" encoding="utf-8"?>
+<p:sld xmlns:a="http://schemas.openxmlformats.org/drawingml/2006/main" xmlns:r="http://schemas.openxmlformats.org/officeDocument/2006/relationships" xmlns:p="http://schemas.openxmlformats.org/presentationml/2006/main">
+  <p:cSld>
+    <p:spTree>
+      <p:nvGrpSpPr>
+        <p:cNvPr id="1" name=""/>
+        <p:cNvGrpSpPr/>
+        <p:nvPr/>
+      </p:nvGrpSpPr>
+      <p:grpSpPr>
+        <a:xfrm>
+          <a:off x="0" y="0"/>
+          <a:ext cx="0" cy="0"/>
+          <a:chOff x="0" y="0"/>
+          <a:chExt cx="0" cy="0"/>
+        </a:xfrm>
+      </p:grpSpPr>
+      <p:sp>
+        <p:nvSpPr>
+          <p:cNvPr id="2" name="Title 1"/>
+          <p:cNvSpPr>
+            <a:spLocks noGrp="1"/>
+          </p:cNvSpPr>
+          <p:nvPr>
+            <p:ph type="title"/>
+          </p:nvPr>
+        </p:nvSpPr>
+        <p:spPr/>
+        <p:txBody>
+          <a:bodyPr/>
+          <a:lstStyle/>
+          <a:p>
+            <a:r>
+              <a:rPr lang="en-US" dirty="0"/>
               <a:t>Column Level Encryption </a:t>
             </a:r>
           </a:p>
@@ -49912,422 +50280,6 @@
 </p:sld>
 </file>
 
-<file path=ppt/slides/slide24.xml><?xml version="1.0" encoding="utf-8"?>
-<p:sld xmlns:a="http://schemas.openxmlformats.org/drawingml/2006/main" xmlns:r="http://schemas.openxmlformats.org/officeDocument/2006/relationships" xmlns:p="http://schemas.openxmlformats.org/presentationml/2006/main">
-  <p:cSld>
-    <p:spTree>
-      <p:nvGrpSpPr>
-        <p:cNvPr id="1" name=""/>
-        <p:cNvGrpSpPr/>
-        <p:nvPr/>
-      </p:nvGrpSpPr>
-      <p:grpSpPr>
-        <a:xfrm>
-          <a:off x="0" y="0"/>
-          <a:ext cx="0" cy="0"/>
-          <a:chOff x="0" y="0"/>
-          <a:chExt cx="0" cy="0"/>
-        </a:xfrm>
-      </p:grpSpPr>
-      <p:sp>
-        <p:nvSpPr>
-          <p:cNvPr id="2" name="Title 1"/>
-          <p:cNvSpPr>
-            <a:spLocks noGrp="1"/>
-          </p:cNvSpPr>
-          <p:nvPr>
-            <p:ph type="title"/>
-          </p:nvPr>
-        </p:nvSpPr>
-        <p:spPr/>
-        <p:txBody>
-          <a:bodyPr/>
-          <a:lstStyle/>
-          <a:p>
-            <a:r>
-              <a:rPr lang="en-US" dirty="0"/>
-              <a:t>Column Level Encryption </a:t>
-            </a:r>
-          </a:p>
-        </p:txBody>
-      </p:sp>
-      <p:sp>
-        <p:nvSpPr>
-          <p:cNvPr id="3" name="Content Placeholder 2"/>
-          <p:cNvSpPr>
-            <a:spLocks noGrp="1"/>
-          </p:cNvSpPr>
-          <p:nvPr>
-            <p:ph idx="1"/>
-          </p:nvPr>
-        </p:nvSpPr>
-        <p:spPr/>
-        <p:txBody>
-          <a:bodyPr/>
-          <a:lstStyle/>
-          <a:p>
-            <a:r>
-              <a:rPr lang="en-US" dirty="0"/>
-              <a:t>This is available in SQL Server 2005+</a:t>
-            </a:r>
-          </a:p>
-          <a:p>
-            <a:r>
-              <a:rPr lang="en-US" dirty="0"/>
-              <a:t>Uses symmetric or asymmetric keys to protect data</a:t>
-            </a:r>
-          </a:p>
-          <a:p>
-            <a:r>
-              <a:rPr lang="en-US" dirty="0"/>
-              <a:t>Encryption is really by field, not column.</a:t>
-            </a:r>
-          </a:p>
-          <a:p>
-            <a:r>
-              <a:rPr lang="en-US" dirty="0"/>
-              <a:t>Encryption operations occur in SQL Server</a:t>
-            </a:r>
-          </a:p>
-          <a:p>
-            <a:r>
-              <a:rPr lang="en-US" dirty="0"/>
-              <a:t>Temporary keys may be used</a:t>
-            </a:r>
-          </a:p>
-          <a:p>
-            <a:endParaRPr lang="en-US" dirty="0"/>
-          </a:p>
-        </p:txBody>
-      </p:sp>
-    </p:spTree>
-    <p:extLst>
-      <p:ext uri="{BB962C8B-B14F-4D97-AF65-F5344CB8AC3E}">
-        <p14:creationId xmlns:p14="http://schemas.microsoft.com/office/powerpoint/2010/main" val="3006188020"/>
-      </p:ext>
-    </p:extLst>
-  </p:cSld>
-  <p:clrMapOvr>
-    <a:masterClrMapping/>
-  </p:clrMapOvr>
-</p:sld>
-</file>
-
-<file path=ppt/slides/slide25.xml><?xml version="1.0" encoding="utf-8"?>
-<p:sld xmlns:a="http://schemas.openxmlformats.org/drawingml/2006/main" xmlns:r="http://schemas.openxmlformats.org/officeDocument/2006/relationships" xmlns:p="http://schemas.openxmlformats.org/presentationml/2006/main">
-  <p:cSld>
-    <p:spTree>
-      <p:nvGrpSpPr>
-        <p:cNvPr id="1" name=""/>
-        <p:cNvGrpSpPr/>
-        <p:nvPr/>
-      </p:nvGrpSpPr>
-      <p:grpSpPr>
-        <a:xfrm>
-          <a:off x="0" y="0"/>
-          <a:ext cx="0" cy="0"/>
-          <a:chOff x="0" y="0"/>
-          <a:chExt cx="0" cy="0"/>
-        </a:xfrm>
-      </p:grpSpPr>
-      <p:sp>
-        <p:nvSpPr>
-          <p:cNvPr id="4" name="Title 3"/>
-          <p:cNvSpPr>
-            <a:spLocks noGrp="1"/>
-          </p:cNvSpPr>
-          <p:nvPr>
-            <p:ph type="title"/>
-          </p:nvPr>
-        </p:nvSpPr>
-        <p:spPr/>
-        <p:txBody>
-          <a:bodyPr/>
-          <a:lstStyle/>
-          <a:p>
-            <a:r>
-              <a:rPr lang="en-US" dirty="0"/>
-              <a:t>Demo</a:t>
-            </a:r>
-          </a:p>
-        </p:txBody>
-      </p:sp>
-      <p:sp>
-        <p:nvSpPr>
-          <p:cNvPr id="5" name="Text Placeholder 4"/>
-          <p:cNvSpPr>
-            <a:spLocks noGrp="1"/>
-          </p:cNvSpPr>
-          <p:nvPr>
-            <p:ph type="body" idx="1"/>
-          </p:nvPr>
-        </p:nvSpPr>
-        <p:spPr/>
-        <p:txBody>
-          <a:bodyPr/>
-          <a:lstStyle/>
-          <a:p>
-            <a:r>
-              <a:rPr lang="en-US" dirty="0"/>
-              <a:t>Column Level Encryption </a:t>
-            </a:r>
-          </a:p>
-        </p:txBody>
-      </p:sp>
-    </p:spTree>
-    <p:extLst>
-      <p:ext uri="{BB962C8B-B14F-4D97-AF65-F5344CB8AC3E}">
-        <p14:creationId xmlns:p14="http://schemas.microsoft.com/office/powerpoint/2010/main" val="1454127985"/>
-      </p:ext>
-    </p:extLst>
-  </p:cSld>
-  <p:clrMapOvr>
-    <a:masterClrMapping/>
-  </p:clrMapOvr>
-</p:sld>
-</file>
-
-<file path=ppt/slides/slide26.xml><?xml version="1.0" encoding="utf-8"?>
-<p:sld xmlns:a="http://schemas.openxmlformats.org/drawingml/2006/main" xmlns:r="http://schemas.openxmlformats.org/officeDocument/2006/relationships" xmlns:p="http://schemas.openxmlformats.org/presentationml/2006/main">
-  <p:cSld>
-    <p:spTree>
-      <p:nvGrpSpPr>
-        <p:cNvPr id="1" name=""/>
-        <p:cNvGrpSpPr/>
-        <p:nvPr/>
-      </p:nvGrpSpPr>
-      <p:grpSpPr>
-        <a:xfrm>
-          <a:off x="0" y="0"/>
-          <a:ext cx="0" cy="0"/>
-          <a:chOff x="0" y="0"/>
-          <a:chExt cx="0" cy="0"/>
-        </a:xfrm>
-      </p:grpSpPr>
-      <p:sp>
-        <p:nvSpPr>
-          <p:cNvPr id="2" name="Title 1"/>
-          <p:cNvSpPr>
-            <a:spLocks noGrp="1"/>
-          </p:cNvSpPr>
-          <p:nvPr>
-            <p:ph type="title"/>
-          </p:nvPr>
-        </p:nvSpPr>
-        <p:spPr/>
-        <p:txBody>
-          <a:bodyPr/>
-          <a:lstStyle/>
-          <a:p>
-            <a:r>
-              <a:rPr lang="en-US" dirty="0"/>
-              <a:t>Column Level Encryption – Limitations </a:t>
-            </a:r>
-          </a:p>
-        </p:txBody>
-      </p:sp>
-      <p:sp>
-        <p:nvSpPr>
-          <p:cNvPr id="3" name="Content Placeholder 2"/>
-          <p:cNvSpPr>
-            <a:spLocks noGrp="1"/>
-          </p:cNvSpPr>
-          <p:nvPr>
-            <p:ph idx="1"/>
-          </p:nvPr>
-        </p:nvSpPr>
-        <p:spPr/>
-        <p:txBody>
-          <a:bodyPr/>
-          <a:lstStyle/>
-          <a:p>
-            <a:r>
-              <a:rPr lang="en-US" dirty="0"/>
-              <a:t>Quiet a few algorithms are old</a:t>
-            </a:r>
-          </a:p>
-          <a:p>
-            <a:r>
-              <a:rPr lang="en-US" dirty="0"/>
-              <a:t>Data is not necessarily protected from the DBA (can be. A little)</a:t>
-            </a:r>
-          </a:p>
-          <a:p>
-            <a:r>
-              <a:rPr lang="en-US" dirty="0"/>
-              <a:t>Requires CPU resources on the server.</a:t>
-            </a:r>
-          </a:p>
-          <a:p>
-            <a:r>
-              <a:rPr lang="en-US" dirty="0"/>
-              <a:t>Encrypted data does not compress. (compress, then encrypt)</a:t>
-            </a:r>
-          </a:p>
-          <a:p>
-            <a:r>
-              <a:rPr lang="en-US" dirty="0"/>
-              <a:t>Symmetric keys are deterministic</a:t>
-            </a:r>
-          </a:p>
-          <a:p>
-            <a:r>
-              <a:rPr lang="en-US" dirty="0"/>
-              <a:t>Requires code changes</a:t>
-            </a:r>
-          </a:p>
-          <a:p>
-            <a:endParaRPr lang="en-US" dirty="0"/>
-          </a:p>
-        </p:txBody>
-      </p:sp>
-    </p:spTree>
-    <p:extLst>
-      <p:ext uri="{BB962C8B-B14F-4D97-AF65-F5344CB8AC3E}">
-        <p14:creationId xmlns:p14="http://schemas.microsoft.com/office/powerpoint/2010/main" val="1297784369"/>
-      </p:ext>
-    </p:extLst>
-  </p:cSld>
-  <p:clrMapOvr>
-    <a:masterClrMapping/>
-  </p:clrMapOvr>
-</p:sld>
-</file>
-
-<file path=ppt/slides/slide27.xml><?xml version="1.0" encoding="utf-8"?>
-<p:sld xmlns:a="http://schemas.openxmlformats.org/drawingml/2006/main" xmlns:r="http://schemas.openxmlformats.org/officeDocument/2006/relationships" xmlns:p="http://schemas.openxmlformats.org/presentationml/2006/main">
-  <p:cSld>
-    <p:spTree>
-      <p:nvGrpSpPr>
-        <p:cNvPr id="1" name=""/>
-        <p:cNvGrpSpPr/>
-        <p:nvPr/>
-      </p:nvGrpSpPr>
-      <p:grpSpPr>
-        <a:xfrm>
-          <a:off x="0" y="0"/>
-          <a:ext cx="0" cy="0"/>
-          <a:chOff x="0" y="0"/>
-          <a:chExt cx="0" cy="0"/>
-        </a:xfrm>
-      </p:grpSpPr>
-      <p:sp>
-        <p:nvSpPr>
-          <p:cNvPr id="2" name="Title 1"/>
-          <p:cNvSpPr>
-            <a:spLocks noGrp="1"/>
-          </p:cNvSpPr>
-          <p:nvPr>
-            <p:ph type="title"/>
-          </p:nvPr>
-        </p:nvSpPr>
-        <p:spPr/>
-        <p:txBody>
-          <a:bodyPr/>
-          <a:lstStyle/>
-          <a:p>
-            <a:r>
-              <a:rPr lang="en-US" dirty="0"/>
-              <a:t>Transparent Data Encryption </a:t>
-            </a:r>
-          </a:p>
-        </p:txBody>
-      </p:sp>
-      <p:sp>
-        <p:nvSpPr>
-          <p:cNvPr id="3" name="Content Placeholder 2"/>
-          <p:cNvSpPr>
-            <a:spLocks noGrp="1"/>
-          </p:cNvSpPr>
-          <p:nvPr>
-            <p:ph idx="1"/>
-          </p:nvPr>
-        </p:nvSpPr>
-        <p:spPr/>
-        <p:txBody>
-          <a:bodyPr>
-            <a:normAutofit/>
-          </a:bodyPr>
-          <a:lstStyle/>
-          <a:p>
-            <a:r>
-              <a:rPr lang="en-US" dirty="0"/>
-              <a:t>Protects data at rest</a:t>
-            </a:r>
-          </a:p>
-          <a:p>
-            <a:r>
-              <a:rPr lang="en-US" dirty="0"/>
-              <a:t>Encrypts data and log files (</a:t>
-            </a:r>
-            <a:r>
-              <a:rPr lang="en-US" dirty="0" err="1"/>
-              <a:t>mdf</a:t>
-            </a:r>
-            <a:r>
-              <a:rPr lang="en-US" dirty="0"/>
-              <a:t>, </a:t>
-            </a:r>
-            <a:r>
-              <a:rPr lang="en-US" dirty="0" err="1"/>
-              <a:t>ndf</a:t>
-            </a:r>
-            <a:r>
-              <a:rPr lang="en-US" dirty="0"/>
-              <a:t>, </a:t>
-            </a:r>
-            <a:r>
-              <a:rPr lang="en-US" dirty="0" err="1"/>
-              <a:t>ldf</a:t>
-            </a:r>
-            <a:r>
-              <a:rPr lang="en-US" dirty="0"/>
-              <a:t>)</a:t>
-            </a:r>
-          </a:p>
-          <a:p>
-            <a:r>
-              <a:rPr lang="en-US" dirty="0"/>
-              <a:t>In SQL Server 2016 support for Intel AES-NI almost eliminates CPU impact</a:t>
-            </a:r>
-          </a:p>
-          <a:p>
-            <a:r>
-              <a:rPr lang="en-US" dirty="0"/>
-              <a:t>Backup files encrypted </a:t>
-            </a:r>
-          </a:p>
-          <a:p>
-            <a:r>
-              <a:rPr lang="en-US" dirty="0" err="1"/>
-              <a:t>Tempdb</a:t>
-            </a:r>
-            <a:r>
-              <a:rPr lang="en-US" dirty="0"/>
-              <a:t> encrypted</a:t>
-            </a:r>
-          </a:p>
-          <a:p>
-            <a:r>
-              <a:rPr lang="en-US" dirty="0"/>
-              <a:t>Enterprise Edition only. </a:t>
-            </a:r>
-          </a:p>
-        </p:txBody>
-      </p:sp>
-    </p:spTree>
-    <p:extLst>
-      <p:ext uri="{BB962C8B-B14F-4D97-AF65-F5344CB8AC3E}">
-        <p14:creationId xmlns:p14="http://schemas.microsoft.com/office/powerpoint/2010/main" val="3848089310"/>
-      </p:ext>
-    </p:extLst>
-  </p:cSld>
-  <p:clrMapOvr>
-    <a:masterClrMapping/>
-  </p:clrMapOvr>
-</p:sld>
-</file>
-
 <file path=ppt/slides/slide28.xml><?xml version="1.0" encoding="utf-8"?>
 <p:sld xmlns:a="http://schemas.openxmlformats.org/drawingml/2006/main" xmlns:r="http://schemas.openxmlformats.org/officeDocument/2006/relationships" xmlns:p="http://schemas.openxmlformats.org/presentationml/2006/main">
   <p:cSld>
@@ -50347,7 +50299,7 @@
       </p:grpSpPr>
       <p:sp>
         <p:nvSpPr>
-          <p:cNvPr id="4" name="Title 3"/>
+          <p:cNvPr id="2" name="Title 1"/>
           <p:cNvSpPr>
             <a:spLocks noGrp="1"/>
           </p:cNvSpPr>
@@ -50362,19 +50314,19 @@
           <a:p>
             <a:r>
               <a:rPr lang="en-US" dirty="0"/>
-              <a:t>Demo</a:t>
-            </a:r>
-          </a:p>
-        </p:txBody>
-      </p:sp>
-      <p:sp>
-        <p:nvSpPr>
-          <p:cNvPr id="5" name="Text Placeholder 4"/>
-          <p:cNvSpPr>
-            <a:spLocks noGrp="1"/>
-          </p:cNvSpPr>
-          <p:nvPr>
-            <p:ph type="body" idx="1"/>
+              <a:t>Column Level Encryption </a:t>
+            </a:r>
+          </a:p>
+        </p:txBody>
+      </p:sp>
+      <p:sp>
+        <p:nvSpPr>
+          <p:cNvPr id="3" name="Content Placeholder 2"/>
+          <p:cNvSpPr>
+            <a:spLocks noGrp="1"/>
+          </p:cNvSpPr>
+          <p:nvPr>
+            <p:ph idx="1"/>
           </p:nvPr>
         </p:nvSpPr>
         <p:spPr/>
@@ -50384,15 +50336,42 @@
           <a:p>
             <a:r>
               <a:rPr lang="en-US" dirty="0"/>
-              <a:t>Transparent Data Encryption  </a:t>
-            </a:r>
+              <a:t>This is available in SQL Server 2005+</a:t>
+            </a:r>
+          </a:p>
+          <a:p>
+            <a:r>
+              <a:rPr lang="en-US" dirty="0"/>
+              <a:t>Uses symmetric or asymmetric keys to protect data</a:t>
+            </a:r>
+          </a:p>
+          <a:p>
+            <a:r>
+              <a:rPr lang="en-US" dirty="0"/>
+              <a:t>Encryption is really by field, not column.</a:t>
+            </a:r>
+          </a:p>
+          <a:p>
+            <a:r>
+              <a:rPr lang="en-US" dirty="0"/>
+              <a:t>Encryption operations occur in SQL Server</a:t>
+            </a:r>
+          </a:p>
+          <a:p>
+            <a:r>
+              <a:rPr lang="en-US" dirty="0"/>
+              <a:t>Temporary keys may be used</a:t>
+            </a:r>
+          </a:p>
+          <a:p>
+            <a:endParaRPr lang="en-US" dirty="0"/>
           </a:p>
         </p:txBody>
       </p:sp>
     </p:spTree>
     <p:extLst>
       <p:ext uri="{BB962C8B-B14F-4D97-AF65-F5344CB8AC3E}">
-        <p14:creationId xmlns:p14="http://schemas.microsoft.com/office/powerpoint/2010/main" val="4286616125"/>
+        <p14:creationId xmlns:p14="http://schemas.microsoft.com/office/powerpoint/2010/main" val="3006188020"/>
       </p:ext>
     </p:extLst>
   </p:cSld>
@@ -50421,7 +50400,7 @@
       </p:grpSpPr>
       <p:sp>
         <p:nvSpPr>
-          <p:cNvPr id="2" name="Title 1"/>
+          <p:cNvPr id="4" name="Title 3"/>
           <p:cNvSpPr>
             <a:spLocks noGrp="1"/>
           </p:cNvSpPr>
@@ -50436,19 +50415,19 @@
           <a:p>
             <a:r>
               <a:rPr lang="en-US" dirty="0"/>
-              <a:t>Transparent Data Encryption Limitations</a:t>
-            </a:r>
-          </a:p>
-        </p:txBody>
-      </p:sp>
-      <p:sp>
-        <p:nvSpPr>
-          <p:cNvPr id="3" name="Content Placeholder 2"/>
-          <p:cNvSpPr>
-            <a:spLocks noGrp="1"/>
-          </p:cNvSpPr>
-          <p:nvPr>
-            <p:ph idx="1"/>
+              <a:t>Demo</a:t>
+            </a:r>
+          </a:p>
+        </p:txBody>
+      </p:sp>
+      <p:sp>
+        <p:nvSpPr>
+          <p:cNvPr id="5" name="Text Placeholder 4"/>
+          <p:cNvSpPr>
+            <a:spLocks noGrp="1"/>
+          </p:cNvSpPr>
+          <p:nvPr>
+            <p:ph type="body" idx="1"/>
           </p:nvPr>
         </p:nvSpPr>
         <p:spPr/>
@@ -50456,60 +50435,9 @@
           <a:bodyPr/>
           <a:lstStyle/>
           <a:p>
-            <a:pPr marL="325438">
-              <a:buFont typeface="Wingdings" panose="05000000000000000000" pitchFamily="2" charset="2"/>
-              <a:buChar char="§"/>
-            </a:pPr>
-            <a:r>
-              <a:rPr lang="en-US" altLang="en-US" dirty="0"/>
-              <a:t>Replication data is not encrypted</a:t>
-            </a:r>
-          </a:p>
-          <a:p>
-            <a:pPr marL="325438">
-              <a:buFont typeface="Wingdings" panose="05000000000000000000" pitchFamily="2" charset="2"/>
-              <a:buChar char="§"/>
-            </a:pPr>
-            <a:r>
-              <a:rPr lang="en-US" altLang="en-US" dirty="0" err="1"/>
-              <a:t>Filestream</a:t>
-            </a:r>
-            <a:r>
-              <a:rPr lang="en-US" altLang="en-US" dirty="0"/>
-              <a:t> data is not encrypted</a:t>
-            </a:r>
-          </a:p>
-          <a:p>
-            <a:pPr marL="325438">
-              <a:buFont typeface="Wingdings" panose="05000000000000000000" pitchFamily="2" charset="2"/>
-              <a:buChar char="§"/>
-            </a:pPr>
-            <a:r>
-              <a:rPr lang="en-US" altLang="en-US" dirty="0"/>
-              <a:t>BPE files are not encrypted</a:t>
-            </a:r>
-          </a:p>
-          <a:p>
-            <a:pPr marL="325438">
-              <a:buFont typeface="Wingdings" panose="05000000000000000000" pitchFamily="2" charset="2"/>
-              <a:buChar char="§"/>
-            </a:pPr>
-            <a:r>
-              <a:rPr lang="en-US" altLang="en-US" dirty="0">
-                <a:hlinkClick r:id="rId2"/>
-              </a:rPr>
-              <a:t>More</a:t>
-            </a:r>
-            <a:endParaRPr lang="en-US" altLang="en-US" dirty="0"/>
-          </a:p>
-          <a:p>
-            <a:pPr marL="325438">
-              <a:buFont typeface="Wingdings" panose="05000000000000000000" pitchFamily="2" charset="2"/>
-              <a:buChar char="§"/>
-            </a:pPr>
-            <a:r>
-              <a:rPr lang="en-US" altLang="en-US" dirty="0"/>
-              <a:t>Overhead (usually &lt; 5%, workload dependent)</a:t>
+            <a:r>
+              <a:rPr lang="en-US" dirty="0"/>
+              <a:t>Column Level Encryption </a:t>
             </a:r>
           </a:p>
         </p:txBody>
@@ -50517,7 +50445,7 @@
     </p:spTree>
     <p:extLst>
       <p:ext uri="{BB962C8B-B14F-4D97-AF65-F5344CB8AC3E}">
-        <p14:creationId xmlns:p14="http://schemas.microsoft.com/office/powerpoint/2010/main" val="2639023810"/>
+        <p14:creationId xmlns:p14="http://schemas.microsoft.com/office/powerpoint/2010/main" val="1454127985"/>
       </p:ext>
     </p:extLst>
   </p:cSld>
@@ -51038,44 +50966,70 @@
           <a:p>
             <a:r>
               <a:rPr lang="en-US" dirty="0"/>
-              <a:t>Dynamic Data Masking (DDM) </a:t>
-            </a:r>
-          </a:p>
-        </p:txBody>
-      </p:sp>
-      <p:pic>
-        <p:nvPicPr>
-          <p:cNvPr id="5" name="Content Placeholder 4"/>
-          <p:cNvPicPr>
-            <a:picLocks noGrp="1" noChangeAspect="1"/>
-          </p:cNvPicPr>
+              <a:t>Column Level Encryption – Limitations </a:t>
+            </a:r>
+          </a:p>
+        </p:txBody>
+      </p:sp>
+      <p:sp>
+        <p:nvSpPr>
+          <p:cNvPr id="3" name="Content Placeholder 2"/>
+          <p:cNvSpPr>
+            <a:spLocks noGrp="1"/>
+          </p:cNvSpPr>
           <p:nvPr>
             <p:ph idx="1"/>
           </p:nvPr>
-        </p:nvPicPr>
-        <p:blipFill>
-          <a:blip r:embed="rId3">
-            <a:extLst>
-              <a:ext uri="{28A0092B-C50C-407E-A947-70E740481C1C}">
-                <a14:useLocalDpi xmlns:a14="http://schemas.microsoft.com/office/drawing/2010/main" val="0"/>
-              </a:ext>
-            </a:extLst>
-          </a:blip>
-          <a:stretch>
-            <a:fillRect/>
-          </a:stretch>
-        </p:blipFill>
-        <p:spPr>
-          <a:xfrm>
-            <a:off x="3537734" y="2026265"/>
-            <a:ext cx="4885714" cy="2991267"/>
-          </a:xfrm>
-        </p:spPr>
-      </p:pic>
+        </p:nvSpPr>
+        <p:spPr/>
+        <p:txBody>
+          <a:bodyPr/>
+          <a:lstStyle/>
+          <a:p>
+            <a:r>
+              <a:rPr lang="en-US" dirty="0"/>
+              <a:t>Quite a few algorithms are old</a:t>
+            </a:r>
+          </a:p>
+          <a:p>
+            <a:r>
+              <a:rPr lang="en-US" dirty="0"/>
+              <a:t>Data is not necessarily protected from the DBA (can be. A little)</a:t>
+            </a:r>
+          </a:p>
+          <a:p>
+            <a:r>
+              <a:rPr lang="en-US" dirty="0"/>
+              <a:t>Requires CPU resources on the server.</a:t>
+            </a:r>
+          </a:p>
+          <a:p>
+            <a:r>
+              <a:rPr lang="en-US" dirty="0"/>
+              <a:t>Encrypted data does not compress. (compress, then encrypt)</a:t>
+            </a:r>
+          </a:p>
+          <a:p>
+            <a:r>
+              <a:rPr lang="en-US" dirty="0"/>
+              <a:t>Symmetric keys are deterministic</a:t>
+            </a:r>
+          </a:p>
+          <a:p>
+            <a:r>
+              <a:rPr lang="en-US" dirty="0"/>
+              <a:t>Requires code changes</a:t>
+            </a:r>
+          </a:p>
+          <a:p>
+            <a:endParaRPr lang="en-US" dirty="0"/>
+          </a:p>
+        </p:txBody>
+      </p:sp>
     </p:spTree>
     <p:extLst>
       <p:ext uri="{BB962C8B-B14F-4D97-AF65-F5344CB8AC3E}">
-        <p14:creationId xmlns:p14="http://schemas.microsoft.com/office/powerpoint/2010/main" val="2629610770"/>
+        <p14:creationId xmlns:p14="http://schemas.microsoft.com/office/powerpoint/2010/main" val="1297784369"/>
       </p:ext>
     </p:extLst>
   </p:cSld>
@@ -51119,7 +51073,7 @@
           <a:p>
             <a:r>
               <a:rPr lang="en-US" dirty="0"/>
-              <a:t>Dynamic Data Masking (DDM) </a:t>
+              <a:t>Transparent Data Encryption </a:t>
             </a:r>
           </a:p>
         </p:txBody>
@@ -51136,42 +51090,72 @@
         </p:nvSpPr>
         <p:spPr/>
         <p:txBody>
-          <a:bodyPr/>
+          <a:bodyPr>
+            <a:normAutofit/>
+          </a:bodyPr>
           <a:lstStyle/>
           <a:p>
             <a:r>
               <a:rPr lang="en-US" dirty="0"/>
-              <a:t>No changes to data or storage</a:t>
+              <a:t>Protects data at rest</a:t>
             </a:r>
           </a:p>
           <a:p>
             <a:r>
               <a:rPr lang="en-US" dirty="0"/>
-              <a:t>DDM defines how data appears when queried.</a:t>
-            </a:r>
-          </a:p>
-          <a:p>
+              <a:t>Encrypts data and log files (</a:t>
+            </a:r>
+            <a:r>
+              <a:rPr lang="en-US" dirty="0" err="1"/>
+              <a:t>mdf</a:t>
+            </a:r>
             <a:r>
               <a:rPr lang="en-US" dirty="0"/>
-              <a:t>Does not require changes to application code</a:t>
-            </a:r>
-          </a:p>
-          <a:p>
+              <a:t>, </a:t>
+            </a:r>
+            <a:r>
+              <a:rPr lang="en-US" dirty="0" err="1"/>
+              <a:t>ndf</a:t>
+            </a:r>
             <a:r>
               <a:rPr lang="en-US" dirty="0"/>
-              <a:t>This is a NOT ENCRYPTION</a:t>
-            </a:r>
-          </a:p>
-          <a:p>
+              <a:t>, </a:t>
+            </a:r>
+            <a:r>
+              <a:rPr lang="en-US" dirty="0" err="1"/>
+              <a:t>ldf</a:t>
+            </a:r>
             <a:r>
               <a:rPr lang="en-US" dirty="0"/>
-              <a:t>This is an application programming convenience feature</a:t>
+              <a:t>)</a:t>
             </a:r>
           </a:p>
           <a:p>
             <a:r>
               <a:rPr lang="en-US" dirty="0"/>
-              <a:t>NOT SECURITY</a:t>
+              <a:t>In SQL Server 2016 support for Intel AES-NI almost eliminates CPU impact</a:t>
+            </a:r>
+          </a:p>
+          <a:p>
+            <a:r>
+              <a:rPr lang="en-US" dirty="0"/>
+              <a:t>Backup files encrypted </a:t>
+            </a:r>
+          </a:p>
+          <a:p>
+            <a:r>
+              <a:rPr lang="en-US" dirty="0" err="1"/>
+              <a:t>Tempdb</a:t>
+            </a:r>
+            <a:r>
+              <a:rPr lang="en-US" dirty="0"/>
+              <a:t> encrypted</a:t>
+            </a:r>
+          </a:p>
+          <a:p>
+            <a:r>
+              <a:rPr lang="en-US" dirty="0"/>
+              <a:t>Enterprise Edition only. </a:t>
             </a:r>
           </a:p>
         </p:txBody>
@@ -51179,7 +51163,7 @@
     </p:spTree>
     <p:extLst>
       <p:ext uri="{BB962C8B-B14F-4D97-AF65-F5344CB8AC3E}">
-        <p14:creationId xmlns:p14="http://schemas.microsoft.com/office/powerpoint/2010/main" val="2899329802"/>
+        <p14:creationId xmlns:p14="http://schemas.microsoft.com/office/powerpoint/2010/main" val="3848089310"/>
       </p:ext>
     </p:extLst>
   </p:cSld>
@@ -51245,7 +51229,7 @@
           <a:p>
             <a:r>
               <a:rPr lang="en-US" dirty="0"/>
-              <a:t>Dynamic Data Masking</a:t>
+              <a:t>Transparent Data Encryption  </a:t>
             </a:r>
           </a:p>
         </p:txBody>
@@ -51253,7 +51237,7 @@
     </p:spTree>
     <p:extLst>
       <p:ext uri="{BB962C8B-B14F-4D97-AF65-F5344CB8AC3E}">
-        <p14:creationId xmlns:p14="http://schemas.microsoft.com/office/powerpoint/2010/main" val="2990823839"/>
+        <p14:creationId xmlns:p14="http://schemas.microsoft.com/office/powerpoint/2010/main" val="4286616125"/>
       </p:ext>
     </p:extLst>
   </p:cSld>
@@ -51297,7 +51281,7 @@
           <a:p>
             <a:r>
               <a:rPr lang="en-US" dirty="0"/>
-              <a:t>Dynamic Data Masking - Limitations </a:t>
+              <a:t>Transparent Data Encryption Limitations</a:t>
             </a:r>
           </a:p>
         </p:txBody>
@@ -51317,52 +51301,68 @@
           <a:bodyPr/>
           <a:lstStyle/>
           <a:p>
-            <a:r>
-              <a:rPr lang="en-US" dirty="0"/>
-              <a:t>Does not work with Always Encrypted columns</a:t>
-            </a:r>
-          </a:p>
-          <a:p>
-            <a:r>
-              <a:rPr lang="en-US" dirty="0"/>
-              <a:t>UNMASK is by database, not by table or column</a:t>
-            </a:r>
-          </a:p>
-          <a:p>
-            <a:r>
-              <a:rPr lang="en-US" dirty="0"/>
-              <a:t>This is an all or nothing feature - data is masked for all rows, no exceptions</a:t>
-            </a:r>
-          </a:p>
-          <a:p>
-            <a:r>
-              <a:rPr lang="en-US" dirty="0"/>
-              <a:t>The query plan, statistics, etc. do not mask data</a:t>
-            </a:r>
-          </a:p>
-          <a:p>
-            <a:r>
-              <a:rPr lang="en-US" dirty="0"/>
-              <a:t>Attacks against the data are possible with </a:t>
-            </a:r>
-            <a:r>
-              <a:rPr lang="en-US" dirty="0" err="1"/>
-              <a:t>adhoc</a:t>
-            </a:r>
-            <a:r>
-              <a:rPr lang="en-US" dirty="0"/>
-              <a:t> queries</a:t>
-            </a:r>
-          </a:p>
-          <a:p>
-            <a:endParaRPr lang="en-US" dirty="0"/>
+            <a:pPr marL="325438">
+              <a:buFont typeface="Wingdings" panose="05000000000000000000" pitchFamily="2" charset="2"/>
+              <a:buChar char="§"/>
+            </a:pPr>
+            <a:r>
+              <a:rPr lang="en-US" altLang="en-US" dirty="0"/>
+              <a:t>Replication data is not encrypted</a:t>
+            </a:r>
+          </a:p>
+          <a:p>
+            <a:pPr marL="325438">
+              <a:buFont typeface="Wingdings" panose="05000000000000000000" pitchFamily="2" charset="2"/>
+              <a:buChar char="§"/>
+            </a:pPr>
+            <a:r>
+              <a:rPr lang="en-US" altLang="en-US" dirty="0" err="1"/>
+              <a:t>Filestream</a:t>
+            </a:r>
+            <a:r>
+              <a:rPr lang="en-US" altLang="en-US" dirty="0"/>
+              <a:t> data is not encrypted</a:t>
+            </a:r>
+          </a:p>
+          <a:p>
+            <a:pPr marL="325438">
+              <a:buFont typeface="Wingdings" panose="05000000000000000000" pitchFamily="2" charset="2"/>
+              <a:buChar char="§"/>
+            </a:pPr>
+            <a:r>
+              <a:rPr lang="en-US" altLang="en-US" dirty="0"/>
+              <a:t>BPE files are not encrypted</a:t>
+            </a:r>
+          </a:p>
+          <a:p>
+            <a:pPr marL="325438">
+              <a:buFont typeface="Wingdings" panose="05000000000000000000" pitchFamily="2" charset="2"/>
+              <a:buChar char="§"/>
+            </a:pPr>
+            <a:r>
+              <a:rPr lang="en-US" altLang="en-US" dirty="0">
+                <a:hlinkClick r:id="rId2"/>
+              </a:rPr>
+              <a:t>More</a:t>
+            </a:r>
+            <a:endParaRPr lang="en-US" altLang="en-US" dirty="0"/>
+          </a:p>
+          <a:p>
+            <a:pPr marL="325438">
+              <a:buFont typeface="Wingdings" panose="05000000000000000000" pitchFamily="2" charset="2"/>
+              <a:buChar char="§"/>
+            </a:pPr>
+            <a:r>
+              <a:rPr lang="en-US" altLang="en-US" dirty="0"/>
+              <a:t>Overhead (usually &lt; 5%, workload dependent)</a:t>
+            </a:r>
           </a:p>
         </p:txBody>
       </p:sp>
     </p:spTree>
     <p:extLst>
       <p:ext uri="{BB962C8B-B14F-4D97-AF65-F5344CB8AC3E}">
-        <p14:creationId xmlns:p14="http://schemas.microsoft.com/office/powerpoint/2010/main" val="639806232"/>
+        <p14:creationId xmlns:p14="http://schemas.microsoft.com/office/powerpoint/2010/main" val="2639023810"/>
       </p:ext>
     </p:extLst>
   </p:cSld>
@@ -51435,7 +51435,15 @@
           <a:p>
             <a:r>
               <a:rPr lang="en-US" dirty="0"/>
-              <a:t>SQL Server 2016+ includes a variety of encryption (and data protection) functions for server and client</a:t>
+              <a:t>SQL Server 2016+ includes a variety </a:t>
+            </a:r>
+            <a:r>
+              <a:rPr lang="en-US"/>
+              <a:t>of security </a:t>
+            </a:r>
+            <a:r>
+              <a:rPr lang="en-US" dirty="0"/>
+              <a:t>(and data protection) functions for server and client</a:t>
             </a:r>
           </a:p>
           <a:p>

--- a/ATourofSQLServer2016SecurityFeatures.pptx
+++ b/ATourofSQLServer2016SecurityFeatures.pptx
@@ -244,7 +244,7 @@
           <a:p>
             <a:fld id="{D4C1D33F-78D8-4750-A964-FE7F02492D2E}" type="datetimeFigureOut">
               <a:rPr lang="en-US" smtClean="0"/>
-              <a:t>10/16/2017</a:t>
+              <a:t>10/18/2017</a:t>
             </a:fld>
             <a:endParaRPr lang="en-US"/>
           </a:p>
@@ -1916,7 +1916,7 @@
           <a:p>
             <a:fld id="{38B92EED-EC5D-481D-8393-A7289D5F8955}" type="datetimeFigureOut">
               <a:rPr lang="en-US" smtClean="0"/>
-              <a:t>10/16/2017</a:t>
+              <a:t>10/18/2017</a:t>
             </a:fld>
             <a:endParaRPr lang="en-US"/>
           </a:p>
@@ -2085,7 +2085,7 @@
           <a:p>
             <a:fld id="{38B92EED-EC5D-481D-8393-A7289D5F8955}" type="datetimeFigureOut">
               <a:rPr lang="en-US" smtClean="0"/>
-              <a:t>10/16/2017</a:t>
+              <a:t>10/18/2017</a:t>
             </a:fld>
             <a:endParaRPr lang="en-US"/>
           </a:p>
@@ -2264,7 +2264,7 @@
           <a:p>
             <a:fld id="{38B92EED-EC5D-481D-8393-A7289D5F8955}" type="datetimeFigureOut">
               <a:rPr lang="en-US" smtClean="0"/>
-              <a:t>10/16/2017</a:t>
+              <a:t>10/18/2017</a:t>
             </a:fld>
             <a:endParaRPr lang="en-US"/>
           </a:p>
@@ -2505,7 +2505,7 @@
           <a:p>
             <a:fld id="{D088F999-7A4E-6B4F-9FED-EF75B73AD044}" type="datetimeFigureOut">
               <a:rPr lang="en-US" smtClean="0"/>
-              <a:t>10/16/2017</a:t>
+              <a:t>10/18/2017</a:t>
             </a:fld>
             <a:endParaRPr lang="en-US"/>
           </a:p>
@@ -2673,7 +2673,7 @@
           <a:p>
             <a:fld id="{D088F999-7A4E-6B4F-9FED-EF75B73AD044}" type="datetimeFigureOut">
               <a:rPr lang="en-US" smtClean="0"/>
-              <a:t>10/16/2017</a:t>
+              <a:t>10/18/2017</a:t>
             </a:fld>
             <a:endParaRPr lang="en-US"/>
           </a:p>
@@ -2918,7 +2918,7 @@
           <a:p>
             <a:fld id="{D088F999-7A4E-6B4F-9FED-EF75B73AD044}" type="datetimeFigureOut">
               <a:rPr lang="en-US" smtClean="0"/>
-              <a:t>10/16/2017</a:t>
+              <a:t>10/18/2017</a:t>
             </a:fld>
             <a:endParaRPr lang="en-US"/>
           </a:p>
@@ -3203,7 +3203,7 @@
           <a:p>
             <a:fld id="{D088F999-7A4E-6B4F-9FED-EF75B73AD044}" type="datetimeFigureOut">
               <a:rPr lang="en-US" smtClean="0"/>
-              <a:t>10/16/2017</a:t>
+              <a:t>10/18/2017</a:t>
             </a:fld>
             <a:endParaRPr lang="en-US"/>
           </a:p>
@@ -3622,7 +3622,7 @@
           <a:p>
             <a:fld id="{D088F999-7A4E-6B4F-9FED-EF75B73AD044}" type="datetimeFigureOut">
               <a:rPr lang="en-US" smtClean="0"/>
-              <a:t>10/16/2017</a:t>
+              <a:t>10/18/2017</a:t>
             </a:fld>
             <a:endParaRPr lang="en-US"/>
           </a:p>
@@ -3739,7 +3739,7 @@
           <a:p>
             <a:fld id="{D088F999-7A4E-6B4F-9FED-EF75B73AD044}" type="datetimeFigureOut">
               <a:rPr lang="en-US" smtClean="0"/>
-              <a:t>10/16/2017</a:t>
+              <a:t>10/18/2017</a:t>
             </a:fld>
             <a:endParaRPr lang="en-US"/>
           </a:p>
@@ -3834,7 +3834,7 @@
           <a:p>
             <a:fld id="{D088F999-7A4E-6B4F-9FED-EF75B73AD044}" type="datetimeFigureOut">
               <a:rPr lang="en-US" smtClean="0"/>
-              <a:t>10/16/2017</a:t>
+              <a:t>10/18/2017</a:t>
             </a:fld>
             <a:endParaRPr lang="en-US"/>
           </a:p>
@@ -4109,7 +4109,7 @@
           <a:p>
             <a:fld id="{D088F999-7A4E-6B4F-9FED-EF75B73AD044}" type="datetimeFigureOut">
               <a:rPr lang="en-US" smtClean="0"/>
-              <a:t>10/16/2017</a:t>
+              <a:t>10/18/2017</a:t>
             </a:fld>
             <a:endParaRPr lang="en-US"/>
           </a:p>
@@ -4277,7 +4277,7 @@
           <a:p>
             <a:fld id="{38B92EED-EC5D-481D-8393-A7289D5F8955}" type="datetimeFigureOut">
               <a:rPr lang="en-US" smtClean="0"/>
-              <a:t>10/16/2017</a:t>
+              <a:t>10/18/2017</a:t>
             </a:fld>
             <a:endParaRPr lang="en-US"/>
           </a:p>
@@ -4533,7 +4533,7 @@
           <a:p>
             <a:fld id="{D088F999-7A4E-6B4F-9FED-EF75B73AD044}" type="datetimeFigureOut">
               <a:rPr lang="en-US" smtClean="0"/>
-              <a:t>10/16/2017</a:t>
+              <a:t>10/18/2017</a:t>
             </a:fld>
             <a:endParaRPr lang="en-US"/>
           </a:p>
@@ -4701,7 +4701,7 @@
           <a:p>
             <a:fld id="{D088F999-7A4E-6B4F-9FED-EF75B73AD044}" type="datetimeFigureOut">
               <a:rPr lang="en-US" smtClean="0"/>
-              <a:t>10/16/2017</a:t>
+              <a:t>10/18/2017</a:t>
             </a:fld>
             <a:endParaRPr lang="en-US"/>
           </a:p>
@@ -4879,7 +4879,7 @@
           <a:p>
             <a:fld id="{D088F999-7A4E-6B4F-9FED-EF75B73AD044}" type="datetimeFigureOut">
               <a:rPr lang="en-US" smtClean="0"/>
-              <a:t>10/16/2017</a:t>
+              <a:t>10/18/2017</a:t>
             </a:fld>
             <a:endParaRPr lang="en-US"/>
           </a:p>
@@ -5119,7 +5119,7 @@
             <a:fld id="{3FE51E94-D08C-431E-88FC-7EB62E529A19}" type="datetimeFigureOut">
               <a:rPr lang="en-US" smtClean="0"/>
               <a:pPr/>
-              <a:t>10/16/2017</a:t>
+              <a:t>10/18/2017</a:t>
             </a:fld>
             <a:endParaRPr lang="en-US"/>
           </a:p>
@@ -5289,7 +5289,7 @@
             <a:fld id="{3FE51E94-D08C-431E-88FC-7EB62E529A19}" type="datetimeFigureOut">
               <a:rPr lang="en-US" smtClean="0"/>
               <a:pPr/>
-              <a:t>10/16/2017</a:t>
+              <a:t>10/18/2017</a:t>
             </a:fld>
             <a:endParaRPr lang="en-US"/>
           </a:p>
@@ -5536,7 +5536,7 @@
             <a:fld id="{3FE51E94-D08C-431E-88FC-7EB62E529A19}" type="datetimeFigureOut">
               <a:rPr lang="en-US" smtClean="0"/>
               <a:pPr/>
-              <a:t>10/16/2017</a:t>
+              <a:t>10/18/2017</a:t>
             </a:fld>
             <a:endParaRPr lang="en-US"/>
           </a:p>
@@ -5823,7 +5823,7 @@
             <a:fld id="{3FE51E94-D08C-431E-88FC-7EB62E529A19}" type="datetimeFigureOut">
               <a:rPr lang="en-US" smtClean="0"/>
               <a:pPr/>
-              <a:t>10/16/2017</a:t>
+              <a:t>10/18/2017</a:t>
             </a:fld>
             <a:endParaRPr lang="en-US"/>
           </a:p>
@@ -6249,7 +6249,7 @@
             <a:fld id="{3FE51E94-D08C-431E-88FC-7EB62E529A19}" type="datetimeFigureOut">
               <a:rPr lang="en-US" smtClean="0"/>
               <a:pPr/>
-              <a:t>10/16/2017</a:t>
+              <a:t>10/18/2017</a:t>
             </a:fld>
             <a:endParaRPr lang="en-US"/>
           </a:p>
@@ -6368,7 +6368,7 @@
             <a:fld id="{3FE51E94-D08C-431E-88FC-7EB62E529A19}" type="datetimeFigureOut">
               <a:rPr lang="en-US" smtClean="0"/>
               <a:pPr/>
-              <a:t>10/16/2017</a:t>
+              <a:t>10/18/2017</a:t>
             </a:fld>
             <a:endParaRPr lang="en-US"/>
           </a:p>
@@ -6465,7 +6465,7 @@
             <a:fld id="{3FE51E94-D08C-431E-88FC-7EB62E529A19}" type="datetimeFigureOut">
               <a:rPr lang="en-US" smtClean="0"/>
               <a:pPr/>
-              <a:t>10/16/2017</a:t>
+              <a:t>10/18/2017</a:t>
             </a:fld>
             <a:endParaRPr lang="en-US"/>
           </a:p>
@@ -6711,7 +6711,7 @@
           <a:p>
             <a:fld id="{38B92EED-EC5D-481D-8393-A7289D5F8955}" type="datetimeFigureOut">
               <a:rPr lang="en-US" smtClean="0"/>
-              <a:t>10/16/2017</a:t>
+              <a:t>10/18/2017</a:t>
             </a:fld>
             <a:endParaRPr lang="en-US"/>
           </a:p>
@@ -6988,7 +6988,7 @@
             <a:fld id="{3FE51E94-D08C-431E-88FC-7EB62E529A19}" type="datetimeFigureOut">
               <a:rPr lang="en-US" smtClean="0"/>
               <a:pPr/>
-              <a:t>10/16/2017</a:t>
+              <a:t>10/18/2017</a:t>
             </a:fld>
             <a:endParaRPr lang="en-US"/>
           </a:p>
@@ -7245,7 +7245,7 @@
             <a:fld id="{3FE51E94-D08C-431E-88FC-7EB62E529A19}" type="datetimeFigureOut">
               <a:rPr lang="en-US" smtClean="0"/>
               <a:pPr/>
-              <a:t>10/16/2017</a:t>
+              <a:t>10/18/2017</a:t>
             </a:fld>
             <a:endParaRPr lang="en-US"/>
           </a:p>
@@ -7415,7 +7415,7 @@
             <a:fld id="{3FE51E94-D08C-431E-88FC-7EB62E529A19}" type="datetimeFigureOut">
               <a:rPr lang="en-US" smtClean="0"/>
               <a:pPr/>
-              <a:t>10/16/2017</a:t>
+              <a:t>10/18/2017</a:t>
             </a:fld>
             <a:endParaRPr lang="en-US"/>
           </a:p>
@@ -7595,7 +7595,7 @@
             <a:fld id="{3FE51E94-D08C-431E-88FC-7EB62E529A19}" type="datetimeFigureOut">
               <a:rPr lang="en-US" smtClean="0"/>
               <a:pPr/>
-              <a:t>10/16/2017</a:t>
+              <a:t>10/18/2017</a:t>
             </a:fld>
             <a:endParaRPr lang="en-US"/>
           </a:p>
@@ -8004,7 +8004,7 @@
           <a:p>
             <a:fld id="{D088F999-7A4E-6B4F-9FED-EF75B73AD044}" type="datetimeFigureOut">
               <a:rPr lang="en-US" smtClean="0"/>
-              <a:t>10/16/2017</a:t>
+              <a:t>10/18/2017</a:t>
             </a:fld>
             <a:endParaRPr lang="en-US"/>
           </a:p>
@@ -8172,7 +8172,7 @@
           <a:p>
             <a:fld id="{D088F999-7A4E-6B4F-9FED-EF75B73AD044}" type="datetimeFigureOut">
               <a:rPr lang="en-US" smtClean="0"/>
-              <a:t>10/16/2017</a:t>
+              <a:t>10/18/2017</a:t>
             </a:fld>
             <a:endParaRPr lang="en-US"/>
           </a:p>
@@ -8417,7 +8417,7 @@
           <a:p>
             <a:fld id="{D088F999-7A4E-6B4F-9FED-EF75B73AD044}" type="datetimeFigureOut">
               <a:rPr lang="en-US" smtClean="0"/>
-              <a:t>10/16/2017</a:t>
+              <a:t>10/18/2017</a:t>
             </a:fld>
             <a:endParaRPr lang="en-US"/>
           </a:p>
@@ -8702,7 +8702,7 @@
           <a:p>
             <a:fld id="{38B92EED-EC5D-481D-8393-A7289D5F8955}" type="datetimeFigureOut">
               <a:rPr lang="en-US" smtClean="0"/>
-              <a:t>10/16/2017</a:t>
+              <a:t>10/18/2017</a:t>
             </a:fld>
             <a:endParaRPr lang="en-US"/>
           </a:p>
@@ -8988,7 +8988,7 @@
           <a:p>
             <a:fld id="{D088F999-7A4E-6B4F-9FED-EF75B73AD044}" type="datetimeFigureOut">
               <a:rPr lang="en-US" smtClean="0"/>
-              <a:t>10/16/2017</a:t>
+              <a:t>10/18/2017</a:t>
             </a:fld>
             <a:endParaRPr lang="en-US"/>
           </a:p>
@@ -9407,7 +9407,7 @@
           <a:p>
             <a:fld id="{D088F999-7A4E-6B4F-9FED-EF75B73AD044}" type="datetimeFigureOut">
               <a:rPr lang="en-US" smtClean="0"/>
-              <a:t>10/16/2017</a:t>
+              <a:t>10/18/2017</a:t>
             </a:fld>
             <a:endParaRPr lang="en-US"/>
           </a:p>
@@ -9524,7 +9524,7 @@
           <a:p>
             <a:fld id="{D088F999-7A4E-6B4F-9FED-EF75B73AD044}" type="datetimeFigureOut">
               <a:rPr lang="en-US" smtClean="0"/>
-              <a:t>10/16/2017</a:t>
+              <a:t>10/18/2017</a:t>
             </a:fld>
             <a:endParaRPr lang="en-US"/>
           </a:p>
@@ -9619,7 +9619,7 @@
           <a:p>
             <a:fld id="{D088F999-7A4E-6B4F-9FED-EF75B73AD044}" type="datetimeFigureOut">
               <a:rPr lang="en-US" smtClean="0"/>
-              <a:t>10/16/2017</a:t>
+              <a:t>10/18/2017</a:t>
             </a:fld>
             <a:endParaRPr lang="en-US"/>
           </a:p>
@@ -9894,7 +9894,7 @@
           <a:p>
             <a:fld id="{D088F999-7A4E-6B4F-9FED-EF75B73AD044}" type="datetimeFigureOut">
               <a:rPr lang="en-US" smtClean="0"/>
-              <a:t>10/16/2017</a:t>
+              <a:t>10/18/2017</a:t>
             </a:fld>
             <a:endParaRPr lang="en-US"/>
           </a:p>
@@ -10149,7 +10149,7 @@
           <a:p>
             <a:fld id="{D088F999-7A4E-6B4F-9FED-EF75B73AD044}" type="datetimeFigureOut">
               <a:rPr lang="en-US" smtClean="0"/>
-              <a:t>10/16/2017</a:t>
+              <a:t>10/18/2017</a:t>
             </a:fld>
             <a:endParaRPr lang="en-US"/>
           </a:p>
@@ -10317,7 +10317,7 @@
           <a:p>
             <a:fld id="{D088F999-7A4E-6B4F-9FED-EF75B73AD044}" type="datetimeFigureOut">
               <a:rPr lang="en-US" smtClean="0"/>
-              <a:t>10/16/2017</a:t>
+              <a:t>10/18/2017</a:t>
             </a:fld>
             <a:endParaRPr lang="en-US"/>
           </a:p>
@@ -10495,7 +10495,7 @@
           <a:p>
             <a:fld id="{D088F999-7A4E-6B4F-9FED-EF75B73AD044}" type="datetimeFigureOut">
               <a:rPr lang="en-US" smtClean="0"/>
-              <a:t>10/16/2017</a:t>
+              <a:t>10/18/2017</a:t>
             </a:fld>
             <a:endParaRPr lang="en-US"/>
           </a:p>
@@ -10735,7 +10735,7 @@
             <a:fld id="{3FE51E94-D08C-431E-88FC-7EB62E529A19}" type="datetimeFigureOut">
               <a:rPr lang="en-US" smtClean="0"/>
               <a:pPr/>
-              <a:t>10/16/2017</a:t>
+              <a:t>10/18/2017</a:t>
             </a:fld>
             <a:endParaRPr lang="en-US"/>
           </a:p>
@@ -10905,7 +10905,7 @@
             <a:fld id="{3FE51E94-D08C-431E-88FC-7EB62E529A19}" type="datetimeFigureOut">
               <a:rPr lang="en-US" smtClean="0"/>
               <a:pPr/>
-              <a:t>10/16/2017</a:t>
+              <a:t>10/18/2017</a:t>
             </a:fld>
             <a:endParaRPr lang="en-US"/>
           </a:p>
@@ -11325,7 +11325,7 @@
           <a:p>
             <a:fld id="{38B92EED-EC5D-481D-8393-A7289D5F8955}" type="datetimeFigureOut">
               <a:rPr lang="en-US" smtClean="0"/>
-              <a:t>10/16/2017</a:t>
+              <a:t>10/18/2017</a:t>
             </a:fld>
             <a:endParaRPr lang="en-US"/>
           </a:p>
@@ -11572,7 +11572,7 @@
             <a:fld id="{3FE51E94-D08C-431E-88FC-7EB62E529A19}" type="datetimeFigureOut">
               <a:rPr lang="en-US" smtClean="0"/>
               <a:pPr/>
-              <a:t>10/16/2017</a:t>
+              <a:t>10/18/2017</a:t>
             </a:fld>
             <a:endParaRPr lang="en-US"/>
           </a:p>
@@ -11859,7 +11859,7 @@
             <a:fld id="{3FE51E94-D08C-431E-88FC-7EB62E529A19}" type="datetimeFigureOut">
               <a:rPr lang="en-US" smtClean="0"/>
               <a:pPr/>
-              <a:t>10/16/2017</a:t>
+              <a:t>10/18/2017</a:t>
             </a:fld>
             <a:endParaRPr lang="en-US"/>
           </a:p>
@@ -12285,7 +12285,7 @@
             <a:fld id="{3FE51E94-D08C-431E-88FC-7EB62E529A19}" type="datetimeFigureOut">
               <a:rPr lang="en-US" smtClean="0"/>
               <a:pPr/>
-              <a:t>10/16/2017</a:t>
+              <a:t>10/18/2017</a:t>
             </a:fld>
             <a:endParaRPr lang="en-US"/>
           </a:p>
@@ -12404,7 +12404,7 @@
             <a:fld id="{3FE51E94-D08C-431E-88FC-7EB62E529A19}" type="datetimeFigureOut">
               <a:rPr lang="en-US" smtClean="0"/>
               <a:pPr/>
-              <a:t>10/16/2017</a:t>
+              <a:t>10/18/2017</a:t>
             </a:fld>
             <a:endParaRPr lang="en-US"/>
           </a:p>
@@ -12501,7 +12501,7 @@
             <a:fld id="{3FE51E94-D08C-431E-88FC-7EB62E529A19}" type="datetimeFigureOut">
               <a:rPr lang="en-US" smtClean="0"/>
               <a:pPr/>
-              <a:t>10/16/2017</a:t>
+              <a:t>10/18/2017</a:t>
             </a:fld>
             <a:endParaRPr lang="en-US"/>
           </a:p>
@@ -12778,7 +12778,7 @@
             <a:fld id="{3FE51E94-D08C-431E-88FC-7EB62E529A19}" type="datetimeFigureOut">
               <a:rPr lang="en-US" smtClean="0"/>
               <a:pPr/>
-              <a:t>10/16/2017</a:t>
+              <a:t>10/18/2017</a:t>
             </a:fld>
             <a:endParaRPr lang="en-US"/>
           </a:p>
@@ -13035,7 +13035,7 @@
             <a:fld id="{3FE51E94-D08C-431E-88FC-7EB62E529A19}" type="datetimeFigureOut">
               <a:rPr lang="en-US" smtClean="0"/>
               <a:pPr/>
-              <a:t>10/16/2017</a:t>
+              <a:t>10/18/2017</a:t>
             </a:fld>
             <a:endParaRPr lang="en-US"/>
           </a:p>
@@ -13205,7 +13205,7 @@
             <a:fld id="{3FE51E94-D08C-431E-88FC-7EB62E529A19}" type="datetimeFigureOut">
               <a:rPr lang="en-US" smtClean="0"/>
               <a:pPr/>
-              <a:t>10/16/2017</a:t>
+              <a:t>10/18/2017</a:t>
             </a:fld>
             <a:endParaRPr lang="en-US"/>
           </a:p>
@@ -13385,7 +13385,7 @@
             <a:fld id="{3FE51E94-D08C-431E-88FC-7EB62E529A19}" type="datetimeFigureOut">
               <a:rPr lang="en-US" smtClean="0"/>
               <a:pPr/>
-              <a:t>10/16/2017</a:t>
+              <a:t>10/18/2017</a:t>
             </a:fld>
             <a:endParaRPr lang="en-US"/>
           </a:p>
@@ -13559,7 +13559,7 @@
           <a:p>
             <a:fld id="{38B92EED-EC5D-481D-8393-A7289D5F8955}" type="datetimeFigureOut">
               <a:rPr lang="en-US" smtClean="0"/>
-              <a:t>10/16/2017</a:t>
+              <a:t>10/18/2017</a:t>
             </a:fld>
             <a:endParaRPr lang="en-US"/>
           </a:p>
@@ -13912,7 +13912,7 @@
           <a:p>
             <a:fld id="{D088F999-7A4E-6B4F-9FED-EF75B73AD044}" type="datetimeFigureOut">
               <a:rPr lang="en-US" smtClean="0"/>
-              <a:t>10/16/2017</a:t>
+              <a:t>10/18/2017</a:t>
             </a:fld>
             <a:endParaRPr lang="en-US"/>
           </a:p>
@@ -14080,7 +14080,7 @@
           <a:p>
             <a:fld id="{D088F999-7A4E-6B4F-9FED-EF75B73AD044}" type="datetimeFigureOut">
               <a:rPr lang="en-US" smtClean="0"/>
-              <a:t>10/16/2017</a:t>
+              <a:t>10/18/2017</a:t>
             </a:fld>
             <a:endParaRPr lang="en-US"/>
           </a:p>
@@ -14325,7 +14325,7 @@
           <a:p>
             <a:fld id="{D088F999-7A4E-6B4F-9FED-EF75B73AD044}" type="datetimeFigureOut">
               <a:rPr lang="en-US" smtClean="0"/>
-              <a:t>10/16/2017</a:t>
+              <a:t>10/18/2017</a:t>
             </a:fld>
             <a:endParaRPr lang="en-US"/>
           </a:p>
@@ -14610,7 +14610,7 @@
           <a:p>
             <a:fld id="{D088F999-7A4E-6B4F-9FED-EF75B73AD044}" type="datetimeFigureOut">
               <a:rPr lang="en-US" smtClean="0"/>
-              <a:t>10/16/2017</a:t>
+              <a:t>10/18/2017</a:t>
             </a:fld>
             <a:endParaRPr lang="en-US"/>
           </a:p>
@@ -15029,7 +15029,7 @@
           <a:p>
             <a:fld id="{D088F999-7A4E-6B4F-9FED-EF75B73AD044}" type="datetimeFigureOut">
               <a:rPr lang="en-US" smtClean="0"/>
-              <a:t>10/16/2017</a:t>
+              <a:t>10/18/2017</a:t>
             </a:fld>
             <a:endParaRPr lang="en-US"/>
           </a:p>
@@ -15146,7 +15146,7 @@
           <a:p>
             <a:fld id="{D088F999-7A4E-6B4F-9FED-EF75B73AD044}" type="datetimeFigureOut">
               <a:rPr lang="en-US" smtClean="0"/>
-              <a:t>10/16/2017</a:t>
+              <a:t>10/18/2017</a:t>
             </a:fld>
             <a:endParaRPr lang="en-US"/>
           </a:p>
@@ -15241,7 +15241,7 @@
           <a:p>
             <a:fld id="{D088F999-7A4E-6B4F-9FED-EF75B73AD044}" type="datetimeFigureOut">
               <a:rPr lang="en-US" smtClean="0"/>
-              <a:t>10/16/2017</a:t>
+              <a:t>10/18/2017</a:t>
             </a:fld>
             <a:endParaRPr lang="en-US"/>
           </a:p>
@@ -15516,7 +15516,7 @@
           <a:p>
             <a:fld id="{D088F999-7A4E-6B4F-9FED-EF75B73AD044}" type="datetimeFigureOut">
               <a:rPr lang="en-US" smtClean="0"/>
-              <a:t>10/16/2017</a:t>
+              <a:t>10/18/2017</a:t>
             </a:fld>
             <a:endParaRPr lang="en-US"/>
           </a:p>
@@ -15611,7 +15611,7 @@
           <a:p>
             <a:fld id="{38B92EED-EC5D-481D-8393-A7289D5F8955}" type="datetimeFigureOut">
               <a:rPr lang="en-US" smtClean="0"/>
-              <a:t>10/16/2017</a:t>
+              <a:t>10/18/2017</a:t>
             </a:fld>
             <a:endParaRPr lang="en-US"/>
           </a:p>
@@ -15867,7 +15867,7 @@
           <a:p>
             <a:fld id="{D088F999-7A4E-6B4F-9FED-EF75B73AD044}" type="datetimeFigureOut">
               <a:rPr lang="en-US" smtClean="0"/>
-              <a:t>10/16/2017</a:t>
+              <a:t>10/18/2017</a:t>
             </a:fld>
             <a:endParaRPr lang="en-US"/>
           </a:p>
@@ -16035,7 +16035,7 @@
           <a:p>
             <a:fld id="{D088F999-7A4E-6B4F-9FED-EF75B73AD044}" type="datetimeFigureOut">
               <a:rPr lang="en-US" smtClean="0"/>
-              <a:t>10/16/2017</a:t>
+              <a:t>10/18/2017</a:t>
             </a:fld>
             <a:endParaRPr lang="en-US"/>
           </a:p>
@@ -16213,7 +16213,7 @@
           <a:p>
             <a:fld id="{D088F999-7A4E-6B4F-9FED-EF75B73AD044}" type="datetimeFigureOut">
               <a:rPr lang="en-US" smtClean="0"/>
-              <a:t>10/16/2017</a:t>
+              <a:t>10/18/2017</a:t>
             </a:fld>
             <a:endParaRPr lang="en-US"/>
           </a:p>
@@ -16454,7 +16454,7 @@
             <a:fld id="{3FE51E94-D08C-431E-88FC-7EB62E529A19}" type="datetimeFigureOut">
               <a:rPr lang="en-US" smtClean="0"/>
               <a:pPr/>
-              <a:t>10/16/2017</a:t>
+              <a:t>10/18/2017</a:t>
             </a:fld>
             <a:endParaRPr lang="en-US"/>
           </a:p>
@@ -16624,7 +16624,7 @@
             <a:fld id="{3FE51E94-D08C-431E-88FC-7EB62E529A19}" type="datetimeFigureOut">
               <a:rPr lang="en-US" smtClean="0"/>
               <a:pPr/>
-              <a:t>10/16/2017</a:t>
+              <a:t>10/18/2017</a:t>
             </a:fld>
             <a:endParaRPr lang="en-US"/>
           </a:p>
@@ -16871,7 +16871,7 @@
             <a:fld id="{3FE51E94-D08C-431E-88FC-7EB62E529A19}" type="datetimeFigureOut">
               <a:rPr lang="en-US" smtClean="0"/>
               <a:pPr/>
-              <a:t>10/16/2017</a:t>
+              <a:t>10/18/2017</a:t>
             </a:fld>
             <a:endParaRPr lang="en-US"/>
           </a:p>
@@ -17158,7 +17158,7 @@
             <a:fld id="{3FE51E94-D08C-431E-88FC-7EB62E529A19}" type="datetimeFigureOut">
               <a:rPr lang="en-US" smtClean="0"/>
               <a:pPr/>
-              <a:t>10/16/2017</a:t>
+              <a:t>10/18/2017</a:t>
             </a:fld>
             <a:endParaRPr lang="en-US"/>
           </a:p>
@@ -17579,7 +17579,7 @@
             <a:fld id="{3FE51E94-D08C-431E-88FC-7EB62E529A19}" type="datetimeFigureOut">
               <a:rPr lang="en-US" smtClean="0"/>
               <a:pPr/>
-              <a:t>10/16/2017</a:t>
+              <a:t>10/18/2017</a:t>
             </a:fld>
             <a:endParaRPr lang="en-US"/>
           </a:p>
@@ -17698,7 +17698,7 @@
             <a:fld id="{3FE51E94-D08C-431E-88FC-7EB62E529A19}" type="datetimeFigureOut">
               <a:rPr lang="en-US" smtClean="0"/>
               <a:pPr/>
-              <a:t>10/16/2017</a:t>
+              <a:t>10/18/2017</a:t>
             </a:fld>
             <a:endParaRPr lang="en-US"/>
           </a:p>
@@ -17795,7 +17795,7 @@
             <a:fld id="{3FE51E94-D08C-431E-88FC-7EB62E529A19}" type="datetimeFigureOut">
               <a:rPr lang="en-US" smtClean="0"/>
               <a:pPr/>
-              <a:t>10/16/2017</a:t>
+              <a:t>10/18/2017</a:t>
             </a:fld>
             <a:endParaRPr lang="en-US"/>
           </a:p>
@@ -18071,7 +18071,7 @@
           <a:p>
             <a:fld id="{38B92EED-EC5D-481D-8393-A7289D5F8955}" type="datetimeFigureOut">
               <a:rPr lang="en-US" smtClean="0"/>
-              <a:t>10/16/2017</a:t>
+              <a:t>10/18/2017</a:t>
             </a:fld>
             <a:endParaRPr lang="en-US"/>
           </a:p>
@@ -18348,7 +18348,7 @@
             <a:fld id="{3FE51E94-D08C-431E-88FC-7EB62E529A19}" type="datetimeFigureOut">
               <a:rPr lang="en-US" smtClean="0"/>
               <a:pPr/>
-              <a:t>10/16/2017</a:t>
+              <a:t>10/18/2017</a:t>
             </a:fld>
             <a:endParaRPr lang="en-US"/>
           </a:p>
@@ -18605,7 +18605,7 @@
             <a:fld id="{3FE51E94-D08C-431E-88FC-7EB62E529A19}" type="datetimeFigureOut">
               <a:rPr lang="en-US" smtClean="0"/>
               <a:pPr/>
-              <a:t>10/16/2017</a:t>
+              <a:t>10/18/2017</a:t>
             </a:fld>
             <a:endParaRPr lang="en-US"/>
           </a:p>
@@ -18775,7 +18775,7 @@
             <a:fld id="{3FE51E94-D08C-431E-88FC-7EB62E529A19}" type="datetimeFigureOut">
               <a:rPr lang="en-US" smtClean="0"/>
               <a:pPr/>
-              <a:t>10/16/2017</a:t>
+              <a:t>10/18/2017</a:t>
             </a:fld>
             <a:endParaRPr lang="en-US"/>
           </a:p>
@@ -18955,7 +18955,7 @@
             <a:fld id="{3FE51E94-D08C-431E-88FC-7EB62E529A19}" type="datetimeFigureOut">
               <a:rPr lang="en-US" smtClean="0"/>
               <a:pPr/>
-              <a:t>10/16/2017</a:t>
+              <a:t>10/18/2017</a:t>
             </a:fld>
             <a:endParaRPr lang="en-US"/>
           </a:p>
@@ -19206,7 +19206,7 @@
               <a:pPr>
                 <a:defRPr/>
               </a:pPr>
-              <a:t>10/16/2017</a:t>
+              <a:t>10/18/2017</a:t>
             </a:fld>
             <a:endParaRPr lang="en-US"/>
           </a:p>
@@ -19380,7 +19380,7 @@
               <a:pPr>
                 <a:defRPr/>
               </a:pPr>
-              <a:t>10/16/2017</a:t>
+              <a:t>10/18/2017</a:t>
             </a:fld>
             <a:endParaRPr lang="en-US"/>
           </a:p>
@@ -19619,7 +19619,7 @@
               <a:pPr>
                 <a:defRPr/>
               </a:pPr>
-              <a:t>10/16/2017</a:t>
+              <a:t>10/18/2017</a:t>
             </a:fld>
             <a:endParaRPr lang="en-US"/>
           </a:p>
@@ -19898,7 +19898,7 @@
               <a:pPr>
                 <a:defRPr/>
               </a:pPr>
-              <a:t>10/16/2017</a:t>
+              <a:t>10/18/2017</a:t>
             </a:fld>
             <a:endParaRPr lang="en-US"/>
           </a:p>
@@ -20316,7 +20316,7 @@
               <a:pPr>
                 <a:defRPr/>
               </a:pPr>
-              <a:t>10/16/2017</a:t>
+              <a:t>10/18/2017</a:t>
             </a:fld>
             <a:endParaRPr lang="en-US"/>
           </a:p>
@@ -20427,7 +20427,7 @@
               <a:pPr>
                 <a:defRPr/>
               </a:pPr>
-              <a:t>10/16/2017</a:t>
+              <a:t>10/18/2017</a:t>
             </a:fld>
             <a:endParaRPr lang="en-US"/>
           </a:p>
@@ -20666,7 +20666,7 @@
           <a:p>
             <a:fld id="{38B92EED-EC5D-481D-8393-A7289D5F8955}" type="datetimeFigureOut">
               <a:rPr lang="en-US" smtClean="0"/>
-              <a:t>10/16/2017</a:t>
+              <a:t>10/18/2017</a:t>
             </a:fld>
             <a:endParaRPr lang="en-US"/>
           </a:p>
@@ -20772,7 +20772,7 @@
               <a:pPr>
                 <a:defRPr/>
               </a:pPr>
-              <a:t>10/16/2017</a:t>
+              <a:t>10/18/2017</a:t>
             </a:fld>
             <a:endParaRPr lang="en-US"/>
           </a:p>
@@ -21041,7 +21041,7 @@
               <a:pPr>
                 <a:defRPr/>
               </a:pPr>
-              <a:t>10/16/2017</a:t>
+              <a:t>10/18/2017</a:t>
             </a:fld>
             <a:endParaRPr lang="en-US"/>
           </a:p>
@@ -21293,7 +21293,7 @@
               <a:pPr>
                 <a:defRPr/>
               </a:pPr>
-              <a:t>10/16/2017</a:t>
+              <a:t>10/18/2017</a:t>
             </a:fld>
             <a:endParaRPr lang="en-US"/>
           </a:p>
@@ -21455,7 +21455,7 @@
               <a:pPr>
                 <a:defRPr/>
               </a:pPr>
-              <a:t>10/16/2017</a:t>
+              <a:t>10/18/2017</a:t>
             </a:fld>
             <a:endParaRPr lang="en-US"/>
           </a:p>
@@ -21627,7 +21627,7 @@
               <a:pPr>
                 <a:defRPr/>
               </a:pPr>
-              <a:t>10/16/2017</a:t>
+              <a:t>10/18/2017</a:t>
             </a:fld>
             <a:endParaRPr lang="en-US"/>
           </a:p>
@@ -21831,7 +21831,7 @@
           <a:p>
             <a:fld id="{38B92EED-EC5D-481D-8393-A7289D5F8955}" type="datetimeFigureOut">
               <a:rPr lang="en-US" smtClean="0"/>
-              <a:t>10/16/2017</a:t>
+              <a:t>10/18/2017</a:t>
             </a:fld>
             <a:endParaRPr lang="en-US"/>
           </a:p>
@@ -22348,7 +22348,7 @@
           <a:p>
             <a:fld id="{D088F999-7A4E-6B4F-9FED-EF75B73AD044}" type="datetimeFigureOut">
               <a:rPr lang="en-US" smtClean="0"/>
-              <a:t>10/16/2017</a:t>
+              <a:t>10/18/2017</a:t>
             </a:fld>
             <a:endParaRPr lang="en-US"/>
           </a:p>
@@ -22868,7 +22868,7 @@
             <a:fld id="{3FE51E94-D08C-431E-88FC-7EB62E529A19}" type="datetimeFigureOut">
               <a:rPr lang="en-US" smtClean="0"/>
               <a:pPr/>
-              <a:t>10/16/2017</a:t>
+              <a:t>10/18/2017</a:t>
             </a:fld>
             <a:endParaRPr lang="en-US"/>
           </a:p>
@@ -23389,7 +23389,7 @@
           <a:p>
             <a:fld id="{D088F999-7A4E-6B4F-9FED-EF75B73AD044}" type="datetimeFigureOut">
               <a:rPr lang="en-US" smtClean="0"/>
-              <a:t>10/16/2017</a:t>
+              <a:t>10/18/2017</a:t>
             </a:fld>
             <a:endParaRPr lang="en-US"/>
           </a:p>
@@ -23909,7 +23909,7 @@
             <a:fld id="{3FE51E94-D08C-431E-88FC-7EB62E529A19}" type="datetimeFigureOut">
               <a:rPr lang="en-US" smtClean="0"/>
               <a:pPr/>
-              <a:t>10/16/2017</a:t>
+              <a:t>10/18/2017</a:t>
             </a:fld>
             <a:endParaRPr lang="en-US"/>
           </a:p>
@@ -24430,7 +24430,7 @@
           <a:p>
             <a:fld id="{D088F999-7A4E-6B4F-9FED-EF75B73AD044}" type="datetimeFigureOut">
               <a:rPr lang="en-US" smtClean="0"/>
-              <a:t>10/16/2017</a:t>
+              <a:t>10/18/2017</a:t>
             </a:fld>
             <a:endParaRPr lang="en-US"/>
           </a:p>
@@ -24947,7 +24947,7 @@
           <a:p>
             <a:fld id="{D088F999-7A4E-6B4F-9FED-EF75B73AD044}" type="datetimeFigureOut">
               <a:rPr lang="en-US" smtClean="0"/>
-              <a:t>10/16/2017</a:t>
+              <a:t>10/18/2017</a:t>
             </a:fld>
             <a:endParaRPr lang="en-US"/>
           </a:p>
@@ -25500,7 +25500,7 @@
               <a:pPr>
                 <a:defRPr/>
               </a:pPr>
-              <a:t>10/16/2017</a:t>
+              <a:t>10/18/2017</a:t>
             </a:fld>
             <a:endParaRPr lang="en-US"/>
           </a:p>
@@ -47500,20 +47500,25 @@
           <a:p>
             <a:r>
               <a:rPr lang="en-US" dirty="0"/>
+              <a:t>Dynamic Data Masking (DDM) </a:t>
+            </a:r>
+          </a:p>
+          <a:p>
+            <a:r>
+              <a:rPr lang="en-US" dirty="0"/>
               <a:t>Column Level Encryption </a:t>
             </a:r>
           </a:p>
           <a:p>
             <a:r>
               <a:rPr lang="en-US" dirty="0"/>
-              <a:t>Transparent Data Encryption (TDE)</a:t>
-            </a:r>
-          </a:p>
-          <a:p>
-            <a:r>
-              <a:rPr lang="en-US" dirty="0"/>
-              <a:t>Dynamic Data Masking (DDM)</a:t>
-            </a:r>
+              <a:t>Transparent Data Encryption (</a:t>
+            </a:r>
+            <a:r>
+              <a:rPr lang="en-US"/>
+              <a:t>TDE)</a:t>
+            </a:r>
+            <a:endParaRPr lang="en-US" dirty="0"/>
           </a:p>
           <a:p>
             <a:r>

--- a/ATourofSQLServer2016SecurityFeatures.pptx
+++ b/ATourofSQLServer2016SecurityFeatures.pptx
@@ -45485,39 +45485,6 @@
       </p:graphicFrame>
       <p:cxnSp>
         <p:nvCxnSpPr>
-          <p:cNvPr id="55" name="Straight Arrow Connector 54"/>
-          <p:cNvCxnSpPr/>
-          <p:nvPr/>
-        </p:nvCxnSpPr>
-        <p:spPr>
-          <a:xfrm>
-            <a:off x="9316228" y="3020121"/>
-            <a:ext cx="0" cy="1257816"/>
-          </a:xfrm>
-          <a:prstGeom prst="straightConnector1">
-            <a:avLst/>
-          </a:prstGeom>
-          <a:ln>
-            <a:tailEnd type="triangle"/>
-          </a:ln>
-        </p:spPr>
-        <p:style>
-          <a:lnRef idx="2">
-            <a:schemeClr val="accent1"/>
-          </a:lnRef>
-          <a:fillRef idx="0">
-            <a:schemeClr val="accent1"/>
-          </a:fillRef>
-          <a:effectRef idx="1">
-            <a:schemeClr val="accent1"/>
-          </a:effectRef>
-          <a:fontRef idx="minor">
-            <a:schemeClr val="tx1"/>
-          </a:fontRef>
-        </p:style>
-      </p:cxnSp>
-      <p:cxnSp>
-        <p:nvCxnSpPr>
           <p:cNvPr id="57" name="Straight Arrow Connector 56"/>
           <p:cNvCxnSpPr/>
           <p:nvPr/>
@@ -47366,15 +47333,7 @@
           <a:p>
             <a:r>
               <a:rPr lang="en-US" dirty="0"/>
-              <a:t>The screening is done with a security predicate that examines the “user </a:t>
-            </a:r>
-            <a:r>
-              <a:rPr lang="en-US" dirty="0" err="1"/>
-              <a:t>chracteristics</a:t>
-            </a:r>
-            <a:r>
-              <a:rPr lang="en-US" dirty="0"/>
-              <a:t>” and returns a 1 for visible rows</a:t>
+              <a:t>The screening is done with a security predicate that examines the “user characteristics” and returns a 1 for visible rows</a:t>
             </a:r>
           </a:p>
           <a:p>
@@ -49978,7 +49937,7 @@
           <a:p>
             <a:r>
               <a:rPr lang="en-US" dirty="0"/>
-              <a:t>NOT SECURITY</a:t>
+              <a:t>This is NOT SECURITY</a:t>
             </a:r>
           </a:p>
         </p:txBody>
@@ -52645,6 +52604,14 @@
                 <a:sym typeface="Wingdings" panose="05000000000000000000" pitchFamily="2" charset="2"/>
               </a:rPr>
               <a:t>Threat Detection available</a:t>
+            </a:r>
+          </a:p>
+          <a:p>
+            <a:r>
+              <a:rPr lang="en-US" dirty="0">
+                <a:sym typeface="Wingdings" panose="05000000000000000000" pitchFamily="2" charset="2"/>
+              </a:rPr>
+              <a:t>Vulnerability Assessment in public preview</a:t>
             </a:r>
             <a:endParaRPr lang="en-US" dirty="0"/>
           </a:p>
